--- a/賴宥齊_AI.pptx
+++ b/賴宥齊_AI.pptx
@@ -5,20 +5,27 @@
     <p:sldMasterId id="2147483648" r:id="rId1"/>
   </p:sldMasterIdLst>
   <p:notesMasterIdLst>
-    <p:notesMasterId r:id="rId13"/>
+    <p:notesMasterId r:id="rId20"/>
   </p:notesMasterIdLst>
   <p:sldIdLst>
     <p:sldId id="256" r:id="rId2"/>
     <p:sldId id="257" r:id="rId3"/>
-    <p:sldId id="260" r:id="rId4"/>
+    <p:sldId id="271" r:id="rId4"/>
     <p:sldId id="265" r:id="rId5"/>
     <p:sldId id="266" r:id="rId6"/>
-    <p:sldId id="262" r:id="rId7"/>
-    <p:sldId id="267" r:id="rId8"/>
-    <p:sldId id="263" r:id="rId9"/>
-    <p:sldId id="270" r:id="rId10"/>
-    <p:sldId id="269" r:id="rId11"/>
-    <p:sldId id="258" r:id="rId12"/>
+    <p:sldId id="260" r:id="rId7"/>
+    <p:sldId id="272" r:id="rId8"/>
+    <p:sldId id="280" r:id="rId9"/>
+    <p:sldId id="262" r:id="rId10"/>
+    <p:sldId id="267" r:id="rId11"/>
+    <p:sldId id="263" r:id="rId12"/>
+    <p:sldId id="275" r:id="rId13"/>
+    <p:sldId id="276" r:id="rId14"/>
+    <p:sldId id="274" r:id="rId15"/>
+    <p:sldId id="277" r:id="rId16"/>
+    <p:sldId id="278" r:id="rId17"/>
+    <p:sldId id="279" r:id="rId18"/>
+    <p:sldId id="269" r:id="rId19"/>
   </p:sldIdLst>
   <p:sldSz cx="12192000" cy="6858000"/>
   <p:notesSz cx="6858000" cy="9144000"/>
@@ -117,6 +124,11 @@
       </a:defRPr>
     </a:lvl9pPr>
   </p:defaultTextStyle>
+  <p:extLst>
+    <p:ext uri="{EFAFB233-063F-42B5-8137-9DF3F51BA10A}">
+      <p15:sldGuideLst xmlns:p15="http://schemas.microsoft.com/office/powerpoint/2012/main"/>
+    </p:ext>
+  </p:extLst>
 </p:presentation>
 </file>
 
@@ -202,7 +214,7 @@
           <a:p>
             <a:fld id="{4CBFF20B-339F-49B6-A82F-6C7A2D8D42C4}" type="datetimeFigureOut">
               <a:rPr lang="zh-TW" altLang="en-US" smtClean="0"/>
-              <a:t>2024/8/2</a:t>
+              <a:t>2024/8/5</a:t>
             </a:fld>
             <a:endParaRPr lang="zh-TW" altLang="en-US"/>
           </a:p>
@@ -516,6 +528,194 @@
           <a:p>
             <a:r>
               <a:rPr lang="zh-TW" altLang="en-US" dirty="0" smtClean="0"/>
+              <a:t>記得解釋一些</a:t>
+            </a:r>
+            <a:r>
+              <a:rPr lang="en-US" altLang="zh-TW" dirty="0" smtClean="0"/>
+              <a:t>terms</a:t>
+            </a:r>
+            <a:endParaRPr lang="zh-TW" altLang="en-US" dirty="0"/>
+          </a:p>
+        </p:txBody>
+      </p:sp>
+      <p:sp>
+        <p:nvSpPr>
+          <p:cNvPr id="4" name="投影片編號版面配置區 3"/>
+          <p:cNvSpPr>
+            <a:spLocks noGrp="1"/>
+          </p:cNvSpPr>
+          <p:nvPr>
+            <p:ph type="sldNum" sz="quarter" idx="10"/>
+          </p:nvPr>
+        </p:nvSpPr>
+        <p:spPr/>
+        <p:txBody>
+          <a:bodyPr/>
+          <a:lstStyle/>
+          <a:p>
+            <a:fld id="{2C037B0C-1E0C-40F9-BAC5-8B9E03E21CFB}" type="slidenum">
+              <a:rPr lang="zh-TW" altLang="en-US" smtClean="0"/>
+              <a:t>3</a:t>
+            </a:fld>
+            <a:endParaRPr lang="zh-TW" altLang="en-US"/>
+          </a:p>
+        </p:txBody>
+      </p:sp>
+    </p:spTree>
+    <p:extLst>
+      <p:ext uri="{BB962C8B-B14F-4D97-AF65-F5344CB8AC3E}">
+        <p14:creationId xmlns:p14="http://schemas.microsoft.com/office/powerpoint/2010/main" val="494230991"/>
+      </p:ext>
+    </p:extLst>
+  </p:cSld>
+  <p:clrMapOvr>
+    <a:masterClrMapping/>
+  </p:clrMapOvr>
+</p:notes>
+</file>
+
+<file path=ppt/notesSlides/notesSlide10.xml><?xml version="1.0" encoding="utf-8"?>
+<p:notes xmlns:a="http://schemas.openxmlformats.org/drawingml/2006/main" xmlns:r="http://schemas.openxmlformats.org/officeDocument/2006/relationships" xmlns:p="http://schemas.openxmlformats.org/presentationml/2006/main">
+  <p:cSld>
+    <p:spTree>
+      <p:nvGrpSpPr>
+        <p:cNvPr id="1" name=""/>
+        <p:cNvGrpSpPr/>
+        <p:nvPr/>
+      </p:nvGrpSpPr>
+      <p:grpSpPr>
+        <a:xfrm>
+          <a:off x="0" y="0"/>
+          <a:ext cx="0" cy="0"/>
+          <a:chOff x="0" y="0"/>
+          <a:chExt cx="0" cy="0"/>
+        </a:xfrm>
+      </p:grpSpPr>
+      <p:sp>
+        <p:nvSpPr>
+          <p:cNvPr id="2" name="投影片圖像版面配置區 1"/>
+          <p:cNvSpPr>
+            <a:spLocks noGrp="1" noRot="1" noChangeAspect="1"/>
+          </p:cNvSpPr>
+          <p:nvPr>
+            <p:ph type="sldImg"/>
+          </p:nvPr>
+        </p:nvSpPr>
+        <p:spPr/>
+      </p:sp>
+      <p:sp>
+        <p:nvSpPr>
+          <p:cNvPr id="3" name="備忘稿版面配置區 2"/>
+          <p:cNvSpPr>
+            <a:spLocks noGrp="1"/>
+          </p:cNvSpPr>
+          <p:nvPr>
+            <p:ph type="body" idx="1"/>
+          </p:nvPr>
+        </p:nvSpPr>
+        <p:spPr/>
+        <p:txBody>
+          <a:bodyPr/>
+          <a:lstStyle/>
+          <a:p>
+            <a:r>
+              <a:rPr lang="zh-TW" altLang="en-US" dirty="0" smtClean="0"/>
+              <a:t>小結論：與其給更多資訊，不如直接用已經產生出來的</a:t>
+            </a:r>
+            <a:r>
+              <a:rPr lang="en-US" altLang="zh-TW" dirty="0" smtClean="0"/>
+              <a:t>code</a:t>
+            </a:r>
+            <a:r>
+              <a:rPr lang="zh-TW" altLang="en-US" dirty="0" smtClean="0"/>
+              <a:t>去改，可以比較有效率。</a:t>
+            </a:r>
+            <a:endParaRPr lang="zh-TW" altLang="en-US" dirty="0"/>
+          </a:p>
+        </p:txBody>
+      </p:sp>
+      <p:sp>
+        <p:nvSpPr>
+          <p:cNvPr id="4" name="投影片編號版面配置區 3"/>
+          <p:cNvSpPr>
+            <a:spLocks noGrp="1"/>
+          </p:cNvSpPr>
+          <p:nvPr>
+            <p:ph type="sldNum" sz="quarter" idx="10"/>
+          </p:nvPr>
+        </p:nvSpPr>
+        <p:spPr/>
+        <p:txBody>
+          <a:bodyPr/>
+          <a:lstStyle/>
+          <a:p>
+            <a:fld id="{2C037B0C-1E0C-40F9-BAC5-8B9E03E21CFB}" type="slidenum">
+              <a:rPr lang="zh-TW" altLang="en-US" smtClean="0"/>
+              <a:t>18</a:t>
+            </a:fld>
+            <a:endParaRPr lang="zh-TW" altLang="en-US"/>
+          </a:p>
+        </p:txBody>
+      </p:sp>
+    </p:spTree>
+    <p:extLst>
+      <p:ext uri="{BB962C8B-B14F-4D97-AF65-F5344CB8AC3E}">
+        <p14:creationId xmlns:p14="http://schemas.microsoft.com/office/powerpoint/2010/main" val="2919370149"/>
+      </p:ext>
+    </p:extLst>
+  </p:cSld>
+  <p:clrMapOvr>
+    <a:masterClrMapping/>
+  </p:clrMapOvr>
+</p:notes>
+</file>
+
+<file path=ppt/notesSlides/notesSlide2.xml><?xml version="1.0" encoding="utf-8"?>
+<p:notes xmlns:a="http://schemas.openxmlformats.org/drawingml/2006/main" xmlns:r="http://schemas.openxmlformats.org/officeDocument/2006/relationships" xmlns:p="http://schemas.openxmlformats.org/presentationml/2006/main">
+  <p:cSld>
+    <p:spTree>
+      <p:nvGrpSpPr>
+        <p:cNvPr id="1" name=""/>
+        <p:cNvGrpSpPr/>
+        <p:nvPr/>
+      </p:nvGrpSpPr>
+      <p:grpSpPr>
+        <a:xfrm>
+          <a:off x="0" y="0"/>
+          <a:ext cx="0" cy="0"/>
+          <a:chOff x="0" y="0"/>
+          <a:chExt cx="0" cy="0"/>
+        </a:xfrm>
+      </p:grpSpPr>
+      <p:sp>
+        <p:nvSpPr>
+          <p:cNvPr id="2" name="投影片圖像版面配置區 1"/>
+          <p:cNvSpPr>
+            <a:spLocks noGrp="1" noRot="1" noChangeAspect="1"/>
+          </p:cNvSpPr>
+          <p:nvPr>
+            <p:ph type="sldImg"/>
+          </p:nvPr>
+        </p:nvSpPr>
+        <p:spPr/>
+      </p:sp>
+      <p:sp>
+        <p:nvSpPr>
+          <p:cNvPr id="3" name="備忘稿版面配置區 2"/>
+          <p:cNvSpPr>
+            <a:spLocks noGrp="1"/>
+          </p:cNvSpPr>
+          <p:nvPr>
+            <p:ph type="body" idx="1"/>
+          </p:nvPr>
+        </p:nvSpPr>
+        <p:spPr/>
+        <p:txBody>
+          <a:bodyPr/>
+          <a:lstStyle/>
+          <a:p>
+            <a:r>
+              <a:rPr lang="zh-TW" altLang="en-US" dirty="0" smtClean="0"/>
               <a:t>解釋為何不自己</a:t>
             </a:r>
             <a:r>
@@ -573,6 +773,654 @@
     <p:extLst>
       <p:ext uri="{BB962C8B-B14F-4D97-AF65-F5344CB8AC3E}">
         <p14:creationId xmlns:p14="http://schemas.microsoft.com/office/powerpoint/2010/main" val="2385441410"/>
+      </p:ext>
+    </p:extLst>
+  </p:cSld>
+  <p:clrMapOvr>
+    <a:masterClrMapping/>
+  </p:clrMapOvr>
+</p:notes>
+</file>
+
+<file path=ppt/notesSlides/notesSlide3.xml><?xml version="1.0" encoding="utf-8"?>
+<p:notes xmlns:a="http://schemas.openxmlformats.org/drawingml/2006/main" xmlns:r="http://schemas.openxmlformats.org/officeDocument/2006/relationships" xmlns:p="http://schemas.openxmlformats.org/presentationml/2006/main">
+  <p:cSld>
+    <p:spTree>
+      <p:nvGrpSpPr>
+        <p:cNvPr id="1" name=""/>
+        <p:cNvGrpSpPr/>
+        <p:nvPr/>
+      </p:nvGrpSpPr>
+      <p:grpSpPr>
+        <a:xfrm>
+          <a:off x="0" y="0"/>
+          <a:ext cx="0" cy="0"/>
+          <a:chOff x="0" y="0"/>
+          <a:chExt cx="0" cy="0"/>
+        </a:xfrm>
+      </p:grpSpPr>
+      <p:sp>
+        <p:nvSpPr>
+          <p:cNvPr id="2" name="投影片圖像版面配置區 1"/>
+          <p:cNvSpPr>
+            <a:spLocks noGrp="1" noRot="1" noChangeAspect="1"/>
+          </p:cNvSpPr>
+          <p:nvPr>
+            <p:ph type="sldImg"/>
+          </p:nvPr>
+        </p:nvSpPr>
+        <p:spPr/>
+      </p:sp>
+      <p:sp>
+        <p:nvSpPr>
+          <p:cNvPr id="3" name="備忘稿版面配置區 2"/>
+          <p:cNvSpPr>
+            <a:spLocks noGrp="1"/>
+          </p:cNvSpPr>
+          <p:nvPr>
+            <p:ph type="body" idx="1"/>
+          </p:nvPr>
+        </p:nvSpPr>
+        <p:spPr/>
+        <p:txBody>
+          <a:bodyPr/>
+          <a:lstStyle/>
+          <a:p>
+            <a:r>
+              <a:rPr lang="zh-TW" altLang="en-US" dirty="0" smtClean="0"/>
+              <a:t>圖可能有點小</a:t>
+            </a:r>
+            <a:endParaRPr lang="zh-TW" altLang="en-US" dirty="0"/>
+          </a:p>
+        </p:txBody>
+      </p:sp>
+      <p:sp>
+        <p:nvSpPr>
+          <p:cNvPr id="4" name="投影片編號版面配置區 3"/>
+          <p:cNvSpPr>
+            <a:spLocks noGrp="1"/>
+          </p:cNvSpPr>
+          <p:nvPr>
+            <p:ph type="sldNum" sz="quarter" idx="10"/>
+          </p:nvPr>
+        </p:nvSpPr>
+        <p:spPr/>
+        <p:txBody>
+          <a:bodyPr/>
+          <a:lstStyle/>
+          <a:p>
+            <a:fld id="{2C037B0C-1E0C-40F9-BAC5-8B9E03E21CFB}" type="slidenum">
+              <a:rPr lang="zh-TW" altLang="en-US" smtClean="0"/>
+              <a:t>6</a:t>
+            </a:fld>
+            <a:endParaRPr lang="zh-TW" altLang="en-US"/>
+          </a:p>
+        </p:txBody>
+      </p:sp>
+    </p:spTree>
+    <p:extLst>
+      <p:ext uri="{BB962C8B-B14F-4D97-AF65-F5344CB8AC3E}">
+        <p14:creationId xmlns:p14="http://schemas.microsoft.com/office/powerpoint/2010/main" val="3563939653"/>
+      </p:ext>
+    </p:extLst>
+  </p:cSld>
+  <p:clrMapOvr>
+    <a:masterClrMapping/>
+  </p:clrMapOvr>
+</p:notes>
+</file>
+
+<file path=ppt/notesSlides/notesSlide4.xml><?xml version="1.0" encoding="utf-8"?>
+<p:notes xmlns:a="http://schemas.openxmlformats.org/drawingml/2006/main" xmlns:r="http://schemas.openxmlformats.org/officeDocument/2006/relationships" xmlns:p="http://schemas.openxmlformats.org/presentationml/2006/main">
+  <p:cSld>
+    <p:spTree>
+      <p:nvGrpSpPr>
+        <p:cNvPr id="1" name=""/>
+        <p:cNvGrpSpPr/>
+        <p:nvPr/>
+      </p:nvGrpSpPr>
+      <p:grpSpPr>
+        <a:xfrm>
+          <a:off x="0" y="0"/>
+          <a:ext cx="0" cy="0"/>
+          <a:chOff x="0" y="0"/>
+          <a:chExt cx="0" cy="0"/>
+        </a:xfrm>
+      </p:grpSpPr>
+      <p:sp>
+        <p:nvSpPr>
+          <p:cNvPr id="2" name="投影片圖像版面配置區 1"/>
+          <p:cNvSpPr>
+            <a:spLocks noGrp="1" noRot="1" noChangeAspect="1"/>
+          </p:cNvSpPr>
+          <p:nvPr>
+            <p:ph type="sldImg"/>
+          </p:nvPr>
+        </p:nvSpPr>
+        <p:spPr/>
+      </p:sp>
+      <p:sp>
+        <p:nvSpPr>
+          <p:cNvPr id="3" name="備忘稿版面配置區 2"/>
+          <p:cNvSpPr>
+            <a:spLocks noGrp="1"/>
+          </p:cNvSpPr>
+          <p:nvPr>
+            <p:ph type="body" idx="1"/>
+          </p:nvPr>
+        </p:nvSpPr>
+        <p:spPr/>
+        <p:txBody>
+          <a:bodyPr/>
+          <a:lstStyle/>
+          <a:p>
+            <a:r>
+              <a:rPr lang="zh-TW" altLang="en-US" dirty="0" smtClean="0"/>
+              <a:t>記得舉例。比如說</a:t>
+            </a:r>
+            <a:r>
+              <a:rPr lang="en-US" altLang="zh-TW" dirty="0" smtClean="0"/>
+              <a:t>SST</a:t>
+            </a:r>
+            <a:r>
+              <a:rPr lang="zh-TW" altLang="en-US" dirty="0" smtClean="0"/>
+              <a:t>就還要加上</a:t>
+            </a:r>
+            <a:r>
+              <a:rPr lang="en-US" altLang="zh-TW" dirty="0" smtClean="0"/>
+              <a:t>HEC</a:t>
+            </a:r>
+            <a:r>
+              <a:rPr lang="zh-TW" altLang="en-US" dirty="0" smtClean="0"/>
+              <a:t>以及</a:t>
+            </a:r>
+            <a:r>
+              <a:rPr lang="en-US" altLang="zh-TW" dirty="0" smtClean="0"/>
+              <a:t>ECC</a:t>
+            </a:r>
+            <a:r>
+              <a:rPr lang="zh-TW" altLang="en-US" dirty="0" smtClean="0"/>
+              <a:t>的部分。</a:t>
+            </a:r>
+            <a:endParaRPr lang="zh-TW" altLang="en-US" dirty="0"/>
+          </a:p>
+        </p:txBody>
+      </p:sp>
+      <p:sp>
+        <p:nvSpPr>
+          <p:cNvPr id="4" name="投影片編號版面配置區 3"/>
+          <p:cNvSpPr>
+            <a:spLocks noGrp="1"/>
+          </p:cNvSpPr>
+          <p:nvPr>
+            <p:ph type="sldNum" sz="quarter" idx="10"/>
+          </p:nvPr>
+        </p:nvSpPr>
+        <p:spPr/>
+        <p:txBody>
+          <a:bodyPr/>
+          <a:lstStyle/>
+          <a:p>
+            <a:fld id="{2C037B0C-1E0C-40F9-BAC5-8B9E03E21CFB}" type="slidenum">
+              <a:rPr lang="zh-TW" altLang="en-US" smtClean="0"/>
+              <a:t>8</a:t>
+            </a:fld>
+            <a:endParaRPr lang="zh-TW" altLang="en-US"/>
+          </a:p>
+        </p:txBody>
+      </p:sp>
+    </p:spTree>
+    <p:extLst>
+      <p:ext uri="{BB962C8B-B14F-4D97-AF65-F5344CB8AC3E}">
+        <p14:creationId xmlns:p14="http://schemas.microsoft.com/office/powerpoint/2010/main" val="1298237752"/>
+      </p:ext>
+    </p:extLst>
+  </p:cSld>
+  <p:clrMapOvr>
+    <a:masterClrMapping/>
+  </p:clrMapOvr>
+</p:notes>
+</file>
+
+<file path=ppt/notesSlides/notesSlide5.xml><?xml version="1.0" encoding="utf-8"?>
+<p:notes xmlns:a="http://schemas.openxmlformats.org/drawingml/2006/main" xmlns:r="http://schemas.openxmlformats.org/officeDocument/2006/relationships" xmlns:p="http://schemas.openxmlformats.org/presentationml/2006/main">
+  <p:cSld>
+    <p:spTree>
+      <p:nvGrpSpPr>
+        <p:cNvPr id="1" name=""/>
+        <p:cNvGrpSpPr/>
+        <p:nvPr/>
+      </p:nvGrpSpPr>
+      <p:grpSpPr>
+        <a:xfrm>
+          <a:off x="0" y="0"/>
+          <a:ext cx="0" cy="0"/>
+          <a:chOff x="0" y="0"/>
+          <a:chExt cx="0" cy="0"/>
+        </a:xfrm>
+      </p:grpSpPr>
+      <p:sp>
+        <p:nvSpPr>
+          <p:cNvPr id="2" name="投影片圖像版面配置區 1"/>
+          <p:cNvSpPr>
+            <a:spLocks noGrp="1" noRot="1" noChangeAspect="1"/>
+          </p:cNvSpPr>
+          <p:nvPr>
+            <p:ph type="sldImg"/>
+          </p:nvPr>
+        </p:nvSpPr>
+        <p:spPr/>
+      </p:sp>
+      <p:sp>
+        <p:nvSpPr>
+          <p:cNvPr id="3" name="備忘稿版面配置區 2"/>
+          <p:cNvSpPr>
+            <a:spLocks noGrp="1"/>
+          </p:cNvSpPr>
+          <p:nvPr>
+            <p:ph type="body" idx="1"/>
+          </p:nvPr>
+        </p:nvSpPr>
+        <p:spPr/>
+        <p:txBody>
+          <a:bodyPr/>
+          <a:lstStyle/>
+          <a:p>
+            <a:r>
+              <a:rPr lang="en-US" altLang="zh-TW" dirty="0" smtClean="0"/>
+              <a:t>Individual info</a:t>
+            </a:r>
+            <a:r>
+              <a:rPr lang="zh-TW" altLang="en-US" dirty="0" smtClean="0"/>
+              <a:t>是因為沒有提示他很容易找錯東西</a:t>
+            </a:r>
+            <a:endParaRPr lang="zh-TW" altLang="en-US" dirty="0"/>
+          </a:p>
+        </p:txBody>
+      </p:sp>
+      <p:sp>
+        <p:nvSpPr>
+          <p:cNvPr id="4" name="投影片編號版面配置區 3"/>
+          <p:cNvSpPr>
+            <a:spLocks noGrp="1"/>
+          </p:cNvSpPr>
+          <p:nvPr>
+            <p:ph type="sldNum" sz="quarter" idx="10"/>
+          </p:nvPr>
+        </p:nvSpPr>
+        <p:spPr/>
+        <p:txBody>
+          <a:bodyPr/>
+          <a:lstStyle/>
+          <a:p>
+            <a:fld id="{2C037B0C-1E0C-40F9-BAC5-8B9E03E21CFB}" type="slidenum">
+              <a:rPr lang="zh-TW" altLang="en-US" smtClean="0"/>
+              <a:t>11</a:t>
+            </a:fld>
+            <a:endParaRPr lang="zh-TW" altLang="en-US"/>
+          </a:p>
+        </p:txBody>
+      </p:sp>
+    </p:spTree>
+    <p:extLst>
+      <p:ext uri="{BB962C8B-B14F-4D97-AF65-F5344CB8AC3E}">
+        <p14:creationId xmlns:p14="http://schemas.microsoft.com/office/powerpoint/2010/main" val="1143115112"/>
+      </p:ext>
+    </p:extLst>
+  </p:cSld>
+  <p:clrMapOvr>
+    <a:masterClrMapping/>
+  </p:clrMapOvr>
+</p:notes>
+</file>
+
+<file path=ppt/notesSlides/notesSlide6.xml><?xml version="1.0" encoding="utf-8"?>
+<p:notes xmlns:a="http://schemas.openxmlformats.org/drawingml/2006/main" xmlns:r="http://schemas.openxmlformats.org/officeDocument/2006/relationships" xmlns:p="http://schemas.openxmlformats.org/presentationml/2006/main">
+  <p:cSld>
+    <p:spTree>
+      <p:nvGrpSpPr>
+        <p:cNvPr id="1" name=""/>
+        <p:cNvGrpSpPr/>
+        <p:nvPr/>
+      </p:nvGrpSpPr>
+      <p:grpSpPr>
+        <a:xfrm>
+          <a:off x="0" y="0"/>
+          <a:ext cx="0" cy="0"/>
+          <a:chOff x="0" y="0"/>
+          <a:chExt cx="0" cy="0"/>
+        </a:xfrm>
+      </p:grpSpPr>
+      <p:sp>
+        <p:nvSpPr>
+          <p:cNvPr id="2" name="投影片圖像版面配置區 1"/>
+          <p:cNvSpPr>
+            <a:spLocks noGrp="1" noRot="1" noChangeAspect="1"/>
+          </p:cNvSpPr>
+          <p:nvPr>
+            <p:ph type="sldImg"/>
+          </p:nvPr>
+        </p:nvSpPr>
+        <p:spPr/>
+      </p:sp>
+      <p:sp>
+        <p:nvSpPr>
+          <p:cNvPr id="3" name="備忘稿版面配置區 2"/>
+          <p:cNvSpPr>
+            <a:spLocks noGrp="1"/>
+          </p:cNvSpPr>
+          <p:nvPr>
+            <p:ph type="body" idx="1"/>
+          </p:nvPr>
+        </p:nvSpPr>
+        <p:spPr/>
+        <p:txBody>
+          <a:bodyPr/>
+          <a:lstStyle/>
+          <a:p>
+            <a:r>
+              <a:rPr lang="en-US" altLang="zh-TW" dirty="0" smtClean="0"/>
+              <a:t>Header Generator</a:t>
+            </a:r>
+            <a:r>
+              <a:rPr lang="en-US" altLang="zh-TW" baseline="0" dirty="0" smtClean="0"/>
+              <a:t> - MSA</a:t>
+            </a:r>
+            <a:endParaRPr lang="zh-TW" altLang="en-US" dirty="0"/>
+          </a:p>
+        </p:txBody>
+      </p:sp>
+      <p:sp>
+        <p:nvSpPr>
+          <p:cNvPr id="4" name="投影片編號版面配置區 3"/>
+          <p:cNvSpPr>
+            <a:spLocks noGrp="1"/>
+          </p:cNvSpPr>
+          <p:nvPr>
+            <p:ph type="sldNum" sz="quarter" idx="10"/>
+          </p:nvPr>
+        </p:nvSpPr>
+        <p:spPr/>
+        <p:txBody>
+          <a:bodyPr/>
+          <a:lstStyle/>
+          <a:p>
+            <a:fld id="{2C037B0C-1E0C-40F9-BAC5-8B9E03E21CFB}" type="slidenum">
+              <a:rPr lang="zh-TW" altLang="en-US" smtClean="0"/>
+              <a:t>14</a:t>
+            </a:fld>
+            <a:endParaRPr lang="zh-TW" altLang="en-US"/>
+          </a:p>
+        </p:txBody>
+      </p:sp>
+    </p:spTree>
+    <p:extLst>
+      <p:ext uri="{BB962C8B-B14F-4D97-AF65-F5344CB8AC3E}">
+        <p14:creationId xmlns:p14="http://schemas.microsoft.com/office/powerpoint/2010/main" val="4002357154"/>
+      </p:ext>
+    </p:extLst>
+  </p:cSld>
+  <p:clrMapOvr>
+    <a:masterClrMapping/>
+  </p:clrMapOvr>
+</p:notes>
+</file>
+
+<file path=ppt/notesSlides/notesSlide7.xml><?xml version="1.0" encoding="utf-8"?>
+<p:notes xmlns:a="http://schemas.openxmlformats.org/drawingml/2006/main" xmlns:r="http://schemas.openxmlformats.org/officeDocument/2006/relationships" xmlns:p="http://schemas.openxmlformats.org/presentationml/2006/main">
+  <p:cSld>
+    <p:spTree>
+      <p:nvGrpSpPr>
+        <p:cNvPr id="1" name=""/>
+        <p:cNvGrpSpPr/>
+        <p:nvPr/>
+      </p:nvGrpSpPr>
+      <p:grpSpPr>
+        <a:xfrm>
+          <a:off x="0" y="0"/>
+          <a:ext cx="0" cy="0"/>
+          <a:chOff x="0" y="0"/>
+          <a:chExt cx="0" cy="0"/>
+        </a:xfrm>
+      </p:grpSpPr>
+      <p:sp>
+        <p:nvSpPr>
+          <p:cNvPr id="2" name="投影片圖像版面配置區 1"/>
+          <p:cNvSpPr>
+            <a:spLocks noGrp="1" noRot="1" noChangeAspect="1"/>
+          </p:cNvSpPr>
+          <p:nvPr>
+            <p:ph type="sldImg"/>
+          </p:nvPr>
+        </p:nvSpPr>
+        <p:spPr/>
+      </p:sp>
+      <p:sp>
+        <p:nvSpPr>
+          <p:cNvPr id="3" name="備忘稿版面配置區 2"/>
+          <p:cNvSpPr>
+            <a:spLocks noGrp="1"/>
+          </p:cNvSpPr>
+          <p:nvPr>
+            <p:ph type="body" idx="1"/>
+          </p:nvPr>
+        </p:nvSpPr>
+        <p:spPr/>
+        <p:txBody>
+          <a:bodyPr/>
+          <a:lstStyle/>
+          <a:p>
+            <a:r>
+              <a:rPr lang="en-US" altLang="zh-TW" dirty="0" smtClean="0"/>
+              <a:t>Header Generator - SD</a:t>
+            </a:r>
+            <a:endParaRPr lang="zh-TW" altLang="en-US" dirty="0"/>
+          </a:p>
+        </p:txBody>
+      </p:sp>
+      <p:sp>
+        <p:nvSpPr>
+          <p:cNvPr id="4" name="投影片編號版面配置區 3"/>
+          <p:cNvSpPr>
+            <a:spLocks noGrp="1"/>
+          </p:cNvSpPr>
+          <p:nvPr>
+            <p:ph type="sldNum" sz="quarter" idx="10"/>
+          </p:nvPr>
+        </p:nvSpPr>
+        <p:spPr/>
+        <p:txBody>
+          <a:bodyPr/>
+          <a:lstStyle/>
+          <a:p>
+            <a:fld id="{2C037B0C-1E0C-40F9-BAC5-8B9E03E21CFB}" type="slidenum">
+              <a:rPr lang="zh-TW" altLang="en-US" smtClean="0"/>
+              <a:t>15</a:t>
+            </a:fld>
+            <a:endParaRPr lang="zh-TW" altLang="en-US"/>
+          </a:p>
+        </p:txBody>
+      </p:sp>
+    </p:spTree>
+    <p:extLst>
+      <p:ext uri="{BB962C8B-B14F-4D97-AF65-F5344CB8AC3E}">
+        <p14:creationId xmlns:p14="http://schemas.microsoft.com/office/powerpoint/2010/main" val="1251395175"/>
+      </p:ext>
+    </p:extLst>
+  </p:cSld>
+  <p:clrMapOvr>
+    <a:masterClrMapping/>
+  </p:clrMapOvr>
+</p:notes>
+</file>
+
+<file path=ppt/notesSlides/notesSlide8.xml><?xml version="1.0" encoding="utf-8"?>
+<p:notes xmlns:a="http://schemas.openxmlformats.org/drawingml/2006/main" xmlns:r="http://schemas.openxmlformats.org/officeDocument/2006/relationships" xmlns:p="http://schemas.openxmlformats.org/presentationml/2006/main">
+  <p:cSld>
+    <p:spTree>
+      <p:nvGrpSpPr>
+        <p:cNvPr id="1" name=""/>
+        <p:cNvGrpSpPr/>
+        <p:nvPr/>
+      </p:nvGrpSpPr>
+      <p:grpSpPr>
+        <a:xfrm>
+          <a:off x="0" y="0"/>
+          <a:ext cx="0" cy="0"/>
+          <a:chOff x="0" y="0"/>
+          <a:chExt cx="0" cy="0"/>
+        </a:xfrm>
+      </p:grpSpPr>
+      <p:sp>
+        <p:nvSpPr>
+          <p:cNvPr id="2" name="投影片圖像版面配置區 1"/>
+          <p:cNvSpPr>
+            <a:spLocks noGrp="1" noRot="1" noChangeAspect="1"/>
+          </p:cNvSpPr>
+          <p:nvPr>
+            <p:ph type="sldImg"/>
+          </p:nvPr>
+        </p:nvSpPr>
+        <p:spPr/>
+      </p:sp>
+      <p:sp>
+        <p:nvSpPr>
+          <p:cNvPr id="3" name="備忘稿版面配置區 2"/>
+          <p:cNvSpPr>
+            <a:spLocks noGrp="1"/>
+          </p:cNvSpPr>
+          <p:nvPr>
+            <p:ph type="body" idx="1"/>
+          </p:nvPr>
+        </p:nvSpPr>
+        <p:spPr/>
+        <p:txBody>
+          <a:bodyPr/>
+          <a:lstStyle/>
+          <a:p>
+            <a:r>
+              <a:rPr lang="en-US" altLang="zh-TW" dirty="0" smtClean="0"/>
+              <a:t>Payload Generator - BS</a:t>
+            </a:r>
+            <a:endParaRPr lang="zh-TW" altLang="en-US" dirty="0"/>
+          </a:p>
+        </p:txBody>
+      </p:sp>
+      <p:sp>
+        <p:nvSpPr>
+          <p:cNvPr id="4" name="投影片編號版面配置區 3"/>
+          <p:cNvSpPr>
+            <a:spLocks noGrp="1"/>
+          </p:cNvSpPr>
+          <p:nvPr>
+            <p:ph type="sldNum" sz="quarter" idx="10"/>
+          </p:nvPr>
+        </p:nvSpPr>
+        <p:spPr/>
+        <p:txBody>
+          <a:bodyPr/>
+          <a:lstStyle/>
+          <a:p>
+            <a:fld id="{2C037B0C-1E0C-40F9-BAC5-8B9E03E21CFB}" type="slidenum">
+              <a:rPr lang="zh-TW" altLang="en-US" smtClean="0"/>
+              <a:t>16</a:t>
+            </a:fld>
+            <a:endParaRPr lang="zh-TW" altLang="en-US"/>
+          </a:p>
+        </p:txBody>
+      </p:sp>
+    </p:spTree>
+    <p:extLst>
+      <p:ext uri="{BB962C8B-B14F-4D97-AF65-F5344CB8AC3E}">
+        <p14:creationId xmlns:p14="http://schemas.microsoft.com/office/powerpoint/2010/main" val="1086568202"/>
+      </p:ext>
+    </p:extLst>
+  </p:cSld>
+  <p:clrMapOvr>
+    <a:masterClrMapping/>
+  </p:clrMapOvr>
+</p:notes>
+</file>
+
+<file path=ppt/notesSlides/notesSlide9.xml><?xml version="1.0" encoding="utf-8"?>
+<p:notes xmlns:a="http://schemas.openxmlformats.org/drawingml/2006/main" xmlns:r="http://schemas.openxmlformats.org/officeDocument/2006/relationships" xmlns:p="http://schemas.openxmlformats.org/presentationml/2006/main">
+  <p:cSld>
+    <p:spTree>
+      <p:nvGrpSpPr>
+        <p:cNvPr id="1" name=""/>
+        <p:cNvGrpSpPr/>
+        <p:nvPr/>
+      </p:nvGrpSpPr>
+      <p:grpSpPr>
+        <a:xfrm>
+          <a:off x="0" y="0"/>
+          <a:ext cx="0" cy="0"/>
+          <a:chOff x="0" y="0"/>
+          <a:chExt cx="0" cy="0"/>
+        </a:xfrm>
+      </p:grpSpPr>
+      <p:sp>
+        <p:nvSpPr>
+          <p:cNvPr id="2" name="投影片圖像版面配置區 1"/>
+          <p:cNvSpPr>
+            <a:spLocks noGrp="1" noRot="1" noChangeAspect="1"/>
+          </p:cNvSpPr>
+          <p:nvPr>
+            <p:ph type="sldImg"/>
+          </p:nvPr>
+        </p:nvSpPr>
+        <p:spPr/>
+      </p:sp>
+      <p:sp>
+        <p:nvSpPr>
+          <p:cNvPr id="3" name="備忘稿版面配置區 2"/>
+          <p:cNvSpPr>
+            <a:spLocks noGrp="1"/>
+          </p:cNvSpPr>
+          <p:nvPr>
+            <p:ph type="body" idx="1"/>
+          </p:nvPr>
+        </p:nvSpPr>
+        <p:spPr/>
+        <p:txBody>
+          <a:bodyPr/>
+          <a:lstStyle/>
+          <a:p>
+            <a:r>
+              <a:rPr lang="en-US" altLang="zh-TW" dirty="0" smtClean="0"/>
+              <a:t>Payload Generator - VD</a:t>
+            </a:r>
+            <a:endParaRPr lang="zh-TW" altLang="en-US" dirty="0"/>
+          </a:p>
+        </p:txBody>
+      </p:sp>
+      <p:sp>
+        <p:nvSpPr>
+          <p:cNvPr id="4" name="投影片編號版面配置區 3"/>
+          <p:cNvSpPr>
+            <a:spLocks noGrp="1"/>
+          </p:cNvSpPr>
+          <p:nvPr>
+            <p:ph type="sldNum" sz="quarter" idx="10"/>
+          </p:nvPr>
+        </p:nvSpPr>
+        <p:spPr/>
+        <p:txBody>
+          <a:bodyPr/>
+          <a:lstStyle/>
+          <a:p>
+            <a:fld id="{2C037B0C-1E0C-40F9-BAC5-8B9E03E21CFB}" type="slidenum">
+              <a:rPr lang="zh-TW" altLang="en-US" smtClean="0"/>
+              <a:t>17</a:t>
+            </a:fld>
+            <a:endParaRPr lang="zh-TW" altLang="en-US"/>
+          </a:p>
+        </p:txBody>
+      </p:sp>
+    </p:spTree>
+    <p:extLst>
+      <p:ext uri="{BB962C8B-B14F-4D97-AF65-F5344CB8AC3E}">
+        <p14:creationId xmlns:p14="http://schemas.microsoft.com/office/powerpoint/2010/main" val="2900281845"/>
       </p:ext>
     </p:extLst>
   </p:cSld>
@@ -713,7 +1561,7 @@
           <a:p>
             <a:fld id="{968B2C60-0FFC-4B58-834B-641C99690763}" type="datetimeFigureOut">
               <a:rPr lang="zh-TW" altLang="en-US" smtClean="0"/>
-              <a:t>2024/8/2</a:t>
+              <a:t>2024/8/5</a:t>
             </a:fld>
             <a:endParaRPr lang="zh-TW" altLang="en-US"/>
           </a:p>
@@ -883,7 +1731,7 @@
           <a:p>
             <a:fld id="{968B2C60-0FFC-4B58-834B-641C99690763}" type="datetimeFigureOut">
               <a:rPr lang="zh-TW" altLang="en-US" smtClean="0"/>
-              <a:t>2024/8/2</a:t>
+              <a:t>2024/8/5</a:t>
             </a:fld>
             <a:endParaRPr lang="zh-TW" altLang="en-US"/>
           </a:p>
@@ -1063,7 +1911,7 @@
           <a:p>
             <a:fld id="{968B2C60-0FFC-4B58-834B-641C99690763}" type="datetimeFigureOut">
               <a:rPr lang="zh-TW" altLang="en-US" smtClean="0"/>
-              <a:t>2024/8/2</a:t>
+              <a:t>2024/8/5</a:t>
             </a:fld>
             <a:endParaRPr lang="zh-TW" altLang="en-US"/>
           </a:p>
@@ -1233,7 +2081,7 @@
           <a:p>
             <a:fld id="{968B2C60-0FFC-4B58-834B-641C99690763}" type="datetimeFigureOut">
               <a:rPr lang="zh-TW" altLang="en-US" smtClean="0"/>
-              <a:t>2024/8/2</a:t>
+              <a:t>2024/8/5</a:t>
             </a:fld>
             <a:endParaRPr lang="zh-TW" altLang="en-US"/>
           </a:p>
@@ -1479,7 +2327,7 @@
           <a:p>
             <a:fld id="{968B2C60-0FFC-4B58-834B-641C99690763}" type="datetimeFigureOut">
               <a:rPr lang="zh-TW" altLang="en-US" smtClean="0"/>
-              <a:t>2024/8/2</a:t>
+              <a:t>2024/8/5</a:t>
             </a:fld>
             <a:endParaRPr lang="zh-TW" altLang="en-US"/>
           </a:p>
@@ -1711,7 +2559,7 @@
           <a:p>
             <a:fld id="{968B2C60-0FFC-4B58-834B-641C99690763}" type="datetimeFigureOut">
               <a:rPr lang="zh-TW" altLang="en-US" smtClean="0"/>
-              <a:t>2024/8/2</a:t>
+              <a:t>2024/8/5</a:t>
             </a:fld>
             <a:endParaRPr lang="zh-TW" altLang="en-US"/>
           </a:p>
@@ -2078,7 +2926,7 @@
           <a:p>
             <a:fld id="{968B2C60-0FFC-4B58-834B-641C99690763}" type="datetimeFigureOut">
               <a:rPr lang="zh-TW" altLang="en-US" smtClean="0"/>
-              <a:t>2024/8/2</a:t>
+              <a:t>2024/8/5</a:t>
             </a:fld>
             <a:endParaRPr lang="zh-TW" altLang="en-US"/>
           </a:p>
@@ -2196,7 +3044,7 @@
           <a:p>
             <a:fld id="{968B2C60-0FFC-4B58-834B-641C99690763}" type="datetimeFigureOut">
               <a:rPr lang="zh-TW" altLang="en-US" smtClean="0"/>
-              <a:t>2024/8/2</a:t>
+              <a:t>2024/8/5</a:t>
             </a:fld>
             <a:endParaRPr lang="zh-TW" altLang="en-US"/>
           </a:p>
@@ -2291,7 +3139,7 @@
           <a:p>
             <a:fld id="{968B2C60-0FFC-4B58-834B-641C99690763}" type="datetimeFigureOut">
               <a:rPr lang="zh-TW" altLang="en-US" smtClean="0"/>
-              <a:t>2024/8/2</a:t>
+              <a:t>2024/8/5</a:t>
             </a:fld>
             <a:endParaRPr lang="zh-TW" altLang="en-US"/>
           </a:p>
@@ -2568,7 +3416,7 @@
           <a:p>
             <a:fld id="{968B2C60-0FFC-4B58-834B-641C99690763}" type="datetimeFigureOut">
               <a:rPr lang="zh-TW" altLang="en-US" smtClean="0"/>
-              <a:t>2024/8/2</a:t>
+              <a:t>2024/8/5</a:t>
             </a:fld>
             <a:endParaRPr lang="zh-TW" altLang="en-US"/>
           </a:p>
@@ -2821,7 +3669,7 @@
           <a:p>
             <a:fld id="{968B2C60-0FFC-4B58-834B-641C99690763}" type="datetimeFigureOut">
               <a:rPr lang="zh-TW" altLang="en-US" smtClean="0"/>
-              <a:t>2024/8/2</a:t>
+              <a:t>2024/8/5</a:t>
             </a:fld>
             <a:endParaRPr lang="zh-TW" altLang="en-US"/>
           </a:p>
@@ -3034,7 +3882,7 @@
           <a:p>
             <a:fld id="{968B2C60-0FFC-4B58-834B-641C99690763}" type="datetimeFigureOut">
               <a:rPr lang="zh-TW" altLang="en-US" smtClean="0"/>
-              <a:t>2024/8/2</a:t>
+              <a:t>2024/8/5</a:t>
             </a:fld>
             <a:endParaRPr lang="zh-TW" altLang="en-US"/>
           </a:p>
@@ -3566,36 +4414,223 @@
           <a:p>
             <a:r>
               <a:rPr lang="en-US" altLang="zh-TW" dirty="0" smtClean="0"/>
-              <a:t>Problems</a:t>
-            </a:r>
-          </a:p>
-          <a:p>
-            <a:pPr lvl="1"/>
-            <a:r>
-              <a:rPr lang="en-US" altLang="zh-TW" dirty="0" smtClean="0"/>
-              <a:t>There may be lots of bugs in generated code, needs modification.</a:t>
+              <a:t>Workflow</a:t>
             </a:r>
           </a:p>
           <a:p>
             <a:pPr lvl="2"/>
-            <a:r>
-              <a:rPr lang="en-US" altLang="zh-TW" dirty="0" smtClean="0"/>
-              <a:t>e.g. Big/Little Endian, Wrong bit position, complex calculate, etc.</a:t>
-            </a:r>
-          </a:p>
-          <a:p>
-            <a:pPr lvl="1"/>
-            <a:r>
-              <a:rPr lang="en-US" altLang="zh-TW" dirty="0" smtClean="0"/>
-              <a:t>Trade-off between performance and the amount of information given.</a:t>
-            </a:r>
+            <a:endParaRPr lang="zh-TW" altLang="en-US" dirty="0"/>
+          </a:p>
+        </p:txBody>
+      </p:sp>
+      <p:pic>
+        <p:nvPicPr>
+          <p:cNvPr id="4" name="圖片 3"/>
+          <p:cNvPicPr>
+            <a:picLocks noChangeAspect="1"/>
+          </p:cNvPicPr>
+          <p:nvPr/>
+        </p:nvPicPr>
+        <p:blipFill>
+          <a:blip r:embed="rId2">
+            <a:extLst>
+              <a:ext uri="{28A0092B-C50C-407E-A947-70E740481C1C}">
+                <a14:useLocalDpi xmlns:a14="http://schemas.microsoft.com/office/drawing/2010/main" val="0"/>
+              </a:ext>
+            </a:extLst>
+          </a:blip>
+          <a:stretch>
+            <a:fillRect/>
+          </a:stretch>
+        </p:blipFill>
+        <p:spPr>
+          <a:xfrm>
+            <a:off x="5642007" y="365125"/>
+            <a:ext cx="3263453" cy="6347365"/>
+          </a:xfrm>
+          <a:prstGeom prst="rect">
+            <a:avLst/>
+          </a:prstGeom>
+        </p:spPr>
+      </p:pic>
+      <p:pic>
+        <p:nvPicPr>
+          <p:cNvPr id="5" name="圖片 4"/>
+          <p:cNvPicPr>
+            <a:picLocks noChangeAspect="1"/>
+          </p:cNvPicPr>
+          <p:nvPr/>
+        </p:nvPicPr>
+        <p:blipFill>
+          <a:blip r:embed="rId3">
+            <a:extLst>
+              <a:ext uri="{28A0092B-C50C-407E-A947-70E740481C1C}">
+                <a14:useLocalDpi xmlns:a14="http://schemas.microsoft.com/office/drawing/2010/main" val="0"/>
+              </a:ext>
+            </a:extLst>
+          </a:blip>
+          <a:stretch>
+            <a:fillRect/>
+          </a:stretch>
+        </p:blipFill>
+        <p:spPr>
+          <a:xfrm>
+            <a:off x="2022713" y="2356495"/>
+            <a:ext cx="3248577" cy="3490381"/>
+          </a:xfrm>
+          <a:prstGeom prst="rect">
+            <a:avLst/>
+          </a:prstGeom>
+        </p:spPr>
+      </p:pic>
+      <p:sp>
+        <p:nvSpPr>
+          <p:cNvPr id="6" name="向左箭號 5"/>
+          <p:cNvSpPr/>
+          <p:nvPr/>
+        </p:nvSpPr>
+        <p:spPr>
+          <a:xfrm>
+            <a:off x="8815823" y="2592825"/>
+            <a:ext cx="1381539" cy="308113"/>
+          </a:xfrm>
+          <a:prstGeom prst="leftArrow">
+            <a:avLst/>
+          </a:prstGeom>
+          <a:solidFill>
+            <a:srgbClr val="FF0000"/>
+          </a:solidFill>
+          <a:ln>
+            <a:solidFill>
+              <a:srgbClr val="FF0000"/>
+            </a:solidFill>
+          </a:ln>
+        </p:spPr>
+        <p:style>
+          <a:lnRef idx="2">
+            <a:schemeClr val="accent1">
+              <a:shade val="50000"/>
+            </a:schemeClr>
+          </a:lnRef>
+          <a:fillRef idx="1">
+            <a:schemeClr val="accent1"/>
+          </a:fillRef>
+          <a:effectRef idx="0">
+            <a:schemeClr val="accent1"/>
+          </a:effectRef>
+          <a:fontRef idx="minor">
+            <a:schemeClr val="lt1"/>
+          </a:fontRef>
+        </p:style>
+        <p:txBody>
+          <a:bodyPr rtlCol="0" anchor="ctr"/>
+          <a:lstStyle/>
+          <a:p>
+            <a:pPr algn="ctr"/>
+            <a:endParaRPr lang="zh-TW" altLang="en-US"/>
+          </a:p>
+        </p:txBody>
+      </p:sp>
+      <p:sp>
+        <p:nvSpPr>
+          <p:cNvPr id="7" name="向左箭號 6"/>
+          <p:cNvSpPr/>
+          <p:nvPr/>
+        </p:nvSpPr>
+        <p:spPr>
+          <a:xfrm>
+            <a:off x="8815822" y="4643007"/>
+            <a:ext cx="1381539" cy="308113"/>
+          </a:xfrm>
+          <a:prstGeom prst="leftArrow">
+            <a:avLst/>
+          </a:prstGeom>
+          <a:solidFill>
+            <a:srgbClr val="FF0000"/>
+          </a:solidFill>
+          <a:ln>
+            <a:solidFill>
+              <a:srgbClr val="FF0000"/>
+            </a:solidFill>
+          </a:ln>
+        </p:spPr>
+        <p:style>
+          <a:lnRef idx="2">
+            <a:schemeClr val="accent1">
+              <a:shade val="50000"/>
+            </a:schemeClr>
+          </a:lnRef>
+          <a:fillRef idx="1">
+            <a:schemeClr val="accent1"/>
+          </a:fillRef>
+          <a:effectRef idx="0">
+            <a:schemeClr val="accent1"/>
+          </a:effectRef>
+          <a:fontRef idx="minor">
+            <a:schemeClr val="lt1"/>
+          </a:fontRef>
+        </p:style>
+        <p:txBody>
+          <a:bodyPr rtlCol="0" anchor="ctr"/>
+          <a:lstStyle/>
+          <a:p>
+            <a:pPr algn="ctr"/>
+            <a:endParaRPr lang="zh-TW" altLang="en-US"/>
+          </a:p>
+        </p:txBody>
+      </p:sp>
+      <p:sp>
+        <p:nvSpPr>
+          <p:cNvPr id="8" name="向左箭號 7"/>
+          <p:cNvSpPr/>
+          <p:nvPr/>
+        </p:nvSpPr>
+        <p:spPr>
+          <a:xfrm>
+            <a:off x="8815823" y="5692819"/>
+            <a:ext cx="1381539" cy="308113"/>
+          </a:xfrm>
+          <a:prstGeom prst="leftArrow">
+            <a:avLst/>
+          </a:prstGeom>
+          <a:solidFill>
+            <a:srgbClr val="FF0000"/>
+          </a:solidFill>
+          <a:ln>
+            <a:solidFill>
+              <a:srgbClr val="FF0000"/>
+            </a:solidFill>
+          </a:ln>
+        </p:spPr>
+        <p:style>
+          <a:lnRef idx="2">
+            <a:schemeClr val="accent1">
+              <a:shade val="50000"/>
+            </a:schemeClr>
+          </a:lnRef>
+          <a:fillRef idx="1">
+            <a:schemeClr val="accent1"/>
+          </a:fillRef>
+          <a:effectRef idx="0">
+            <a:schemeClr val="accent1"/>
+          </a:effectRef>
+          <a:fontRef idx="minor">
+            <a:schemeClr val="lt1"/>
+          </a:fontRef>
+        </p:style>
+        <p:txBody>
+          <a:bodyPr rtlCol="0" anchor="ctr"/>
+          <a:lstStyle/>
+          <a:p>
+            <a:pPr algn="ctr"/>
+            <a:endParaRPr lang="zh-TW" altLang="en-US"/>
           </a:p>
         </p:txBody>
       </p:sp>
     </p:spTree>
     <p:extLst>
       <p:ext uri="{BB962C8B-B14F-4D97-AF65-F5344CB8AC3E}">
-        <p14:creationId xmlns:p14="http://schemas.microsoft.com/office/powerpoint/2010/main" val="3420442386"/>
+        <p14:creationId xmlns:p14="http://schemas.microsoft.com/office/powerpoint/2010/main" val="1976712311"/>
       </p:ext>
     </p:extLst>
   </p:cSld>
@@ -3646,7 +4681,7 @@
           <a:p>
             <a:r>
               <a:rPr lang="en-US" altLang="zh-TW" dirty="0" smtClean="0"/>
-              <a:t>Problems</a:t>
+              <a:t>Methods - Staged</a:t>
             </a:r>
             <a:endParaRPr lang="zh-TW" altLang="en-US" dirty="0"/>
           </a:p>
@@ -3662,75 +4697,1036 @@
             <p:ph idx="1"/>
           </p:nvPr>
         </p:nvSpPr>
+        <p:spPr/>
+        <p:txBody>
+          <a:bodyPr/>
+          <a:lstStyle/>
+          <a:p>
+            <a:r>
+              <a:rPr lang="en-US" altLang="zh-TW" dirty="0" smtClean="0"/>
+              <a:t>Make the Language Model generate two C Codes.</a:t>
+            </a:r>
+          </a:p>
+          <a:p>
+            <a:pPr lvl="1"/>
+            <a:r>
+              <a:rPr lang="en-US" altLang="zh-TW" dirty="0" smtClean="0"/>
+              <a:t>Header Generator</a:t>
+            </a:r>
+          </a:p>
+          <a:p>
+            <a:pPr lvl="2"/>
+            <a:r>
+              <a:rPr lang="en-US" altLang="zh-TW" dirty="0" smtClean="0"/>
+              <a:t>LM needs to know the packet composition.</a:t>
+            </a:r>
+          </a:p>
+          <a:p>
+            <a:pPr lvl="2"/>
+            <a:r>
+              <a:rPr lang="en-US" altLang="zh-TW" dirty="0" smtClean="0"/>
+              <a:t>LM needs to specify which fields is fixed or can be user-defined.</a:t>
+            </a:r>
+          </a:p>
+          <a:p>
+            <a:pPr lvl="1"/>
+            <a:endParaRPr lang="en-US" altLang="zh-TW" dirty="0" smtClean="0"/>
+          </a:p>
+          <a:p>
+            <a:pPr marL="914400" lvl="2" indent="0">
+              <a:buNone/>
+            </a:pPr>
+            <a:endParaRPr lang="zh-TW" altLang="en-US" dirty="0"/>
+          </a:p>
+        </p:txBody>
+      </p:sp>
+      <p:pic>
+        <p:nvPicPr>
+          <p:cNvPr id="5" name="圖片 4"/>
+          <p:cNvPicPr>
+            <a:picLocks noChangeAspect="1"/>
+          </p:cNvPicPr>
+          <p:nvPr/>
+        </p:nvPicPr>
+        <p:blipFill>
+          <a:blip r:embed="rId3">
+            <a:extLst>
+              <a:ext uri="{28A0092B-C50C-407E-A947-70E740481C1C}">
+                <a14:useLocalDpi xmlns:a14="http://schemas.microsoft.com/office/drawing/2010/main" val="0"/>
+              </a:ext>
+            </a:extLst>
+          </a:blip>
+          <a:stretch>
+            <a:fillRect/>
+          </a:stretch>
+        </p:blipFill>
         <p:spPr>
           <a:xfrm>
-            <a:off x="838200" y="1825625"/>
-            <a:ext cx="10515600" cy="4843532"/>
+            <a:off x="8792711" y="166342"/>
+            <a:ext cx="3313150" cy="6444024"/>
           </a:xfrm>
+          <a:prstGeom prst="rect">
+            <a:avLst/>
+          </a:prstGeom>
         </p:spPr>
-        <p:txBody>
-          <a:bodyPr>
-            <a:normAutofit/>
-          </a:bodyPr>
-          <a:lstStyle/>
-          <a:p>
-            <a:r>
-              <a:rPr lang="en-US" altLang="zh-TW" dirty="0" smtClean="0"/>
-              <a:t>Parsing</a:t>
-            </a:r>
-          </a:p>
-          <a:p>
-            <a:pPr lvl="1"/>
-            <a:r>
-              <a:rPr lang="en-US" altLang="zh-TW" dirty="0" smtClean="0"/>
-              <a:t>The size of standard is large, so it is necessary to select the required chapters in person.</a:t>
-            </a:r>
-          </a:p>
-          <a:p>
-            <a:pPr lvl="1"/>
-            <a:r>
-              <a:rPr lang="en-US" altLang="zh-TW" dirty="0" smtClean="0"/>
-              <a:t>Each standard or chapter has its own unique structure, which means that the same parsing method may yield different results.</a:t>
-            </a:r>
-          </a:p>
-          <a:p>
-            <a:r>
-              <a:rPr lang="en-US" altLang="zh-TW" dirty="0" smtClean="0"/>
-              <a:t>Prompts</a:t>
-            </a:r>
-          </a:p>
-          <a:p>
-            <a:pPr lvl="1"/>
-            <a:r>
-              <a:rPr lang="en-US" altLang="zh-TW" dirty="0" smtClean="0"/>
-              <a:t>Additional information needs to be provided, but there is a trade-off between performance and the amount of information given.</a:t>
-            </a:r>
-          </a:p>
-          <a:p>
-            <a:r>
-              <a:rPr lang="en-US" altLang="zh-TW" dirty="0" smtClean="0"/>
-              <a:t>Results</a:t>
-            </a:r>
-          </a:p>
-          <a:p>
-            <a:pPr lvl="1"/>
-            <a:r>
-              <a:rPr lang="en-US" altLang="zh-TW" dirty="0" smtClean="0"/>
-              <a:t>The generated code may contain bugs.</a:t>
-            </a:r>
-          </a:p>
-        </p:txBody>
-      </p:sp>
+      </p:pic>
+      <p:pic>
+        <p:nvPicPr>
+          <p:cNvPr id="9" name="圖片 8"/>
+          <p:cNvPicPr/>
+          <p:nvPr/>
+        </p:nvPicPr>
+        <p:blipFill>
+          <a:blip r:embed="rId4"/>
+          <a:stretch>
+            <a:fillRect/>
+          </a:stretch>
+        </p:blipFill>
+        <p:spPr>
+          <a:xfrm>
+            <a:off x="86139" y="3388354"/>
+            <a:ext cx="9962636" cy="509878"/>
+          </a:xfrm>
+          <a:prstGeom prst="rect">
+            <a:avLst/>
+          </a:prstGeom>
+        </p:spPr>
+      </p:pic>
+      <p:pic>
+        <p:nvPicPr>
+          <p:cNvPr id="10" name="圖片 9"/>
+          <p:cNvPicPr/>
+          <p:nvPr/>
+        </p:nvPicPr>
+        <p:blipFill>
+          <a:blip r:embed="rId5"/>
+          <a:stretch>
+            <a:fillRect/>
+          </a:stretch>
+        </p:blipFill>
+        <p:spPr>
+          <a:xfrm>
+            <a:off x="86139" y="4492407"/>
+            <a:ext cx="9962636" cy="868865"/>
+          </a:xfrm>
+          <a:prstGeom prst="rect">
+            <a:avLst/>
+          </a:prstGeom>
+        </p:spPr>
+      </p:pic>
     </p:spTree>
     <p:extLst>
       <p:ext uri="{BB962C8B-B14F-4D97-AF65-F5344CB8AC3E}">
-        <p14:creationId xmlns:p14="http://schemas.microsoft.com/office/powerpoint/2010/main" val="3911486389"/>
+        <p14:creationId xmlns:p14="http://schemas.microsoft.com/office/powerpoint/2010/main" val="2392025326"/>
       </p:ext>
     </p:extLst>
   </p:cSld>
   <p:clrMapOvr>
     <a:masterClrMapping/>
   </p:clrMapOvr>
+  <p:timing>
+    <p:tnLst>
+      <p:par>
+        <p:cTn id="1" dur="indefinite" restart="never" nodeType="tmRoot"/>
+      </p:par>
+    </p:tnLst>
+  </p:timing>
+</p:sld>
+</file>
+
+<file path=ppt/slides/slide12.xml><?xml version="1.0" encoding="utf-8"?>
+<p:sld xmlns:a="http://schemas.openxmlformats.org/drawingml/2006/main" xmlns:r="http://schemas.openxmlformats.org/officeDocument/2006/relationships" xmlns:p="http://schemas.openxmlformats.org/presentationml/2006/main">
+  <p:cSld>
+    <p:spTree>
+      <p:nvGrpSpPr>
+        <p:cNvPr id="1" name=""/>
+        <p:cNvGrpSpPr/>
+        <p:nvPr/>
+      </p:nvGrpSpPr>
+      <p:grpSpPr>
+        <a:xfrm>
+          <a:off x="0" y="0"/>
+          <a:ext cx="0" cy="0"/>
+          <a:chOff x="0" y="0"/>
+          <a:chExt cx="0" cy="0"/>
+        </a:xfrm>
+      </p:grpSpPr>
+      <p:sp>
+        <p:nvSpPr>
+          <p:cNvPr id="2" name="標題 1"/>
+          <p:cNvSpPr>
+            <a:spLocks noGrp="1"/>
+          </p:cNvSpPr>
+          <p:nvPr>
+            <p:ph type="title"/>
+          </p:nvPr>
+        </p:nvSpPr>
+        <p:spPr/>
+        <p:txBody>
+          <a:bodyPr/>
+          <a:lstStyle/>
+          <a:p>
+            <a:r>
+              <a:rPr lang="en-US" altLang="zh-TW" dirty="0" smtClean="0"/>
+              <a:t>Methods - Staged</a:t>
+            </a:r>
+            <a:endParaRPr lang="zh-TW" altLang="en-US" dirty="0"/>
+          </a:p>
+        </p:txBody>
+      </p:sp>
+      <p:sp>
+        <p:nvSpPr>
+          <p:cNvPr id="3" name="內容版面配置區 2"/>
+          <p:cNvSpPr>
+            <a:spLocks noGrp="1"/>
+          </p:cNvSpPr>
+          <p:nvPr>
+            <p:ph idx="1"/>
+          </p:nvPr>
+        </p:nvSpPr>
+        <p:spPr/>
+        <p:txBody>
+          <a:bodyPr/>
+          <a:lstStyle/>
+          <a:p>
+            <a:r>
+              <a:rPr lang="en-US" altLang="zh-TW" dirty="0" smtClean="0"/>
+              <a:t>Make the Language Model generate two C Codes.</a:t>
+            </a:r>
+          </a:p>
+          <a:p>
+            <a:pPr lvl="1"/>
+            <a:r>
+              <a:rPr lang="en-US" altLang="zh-TW" dirty="0" smtClean="0"/>
+              <a:t>Payload Generator</a:t>
+            </a:r>
+          </a:p>
+          <a:p>
+            <a:pPr lvl="2"/>
+            <a:r>
+              <a:rPr lang="en-US" altLang="zh-TW" dirty="0" smtClean="0"/>
+              <a:t>LM needs to know how to parse the given header.</a:t>
+            </a:r>
+          </a:p>
+          <a:p>
+            <a:pPr lvl="2"/>
+            <a:endParaRPr lang="zh-TW" altLang="en-US" dirty="0"/>
+          </a:p>
+        </p:txBody>
+      </p:sp>
+      <p:pic>
+        <p:nvPicPr>
+          <p:cNvPr id="5" name="圖片 4"/>
+          <p:cNvPicPr>
+            <a:picLocks noChangeAspect="1"/>
+          </p:cNvPicPr>
+          <p:nvPr/>
+        </p:nvPicPr>
+        <p:blipFill>
+          <a:blip r:embed="rId2">
+            <a:extLst>
+              <a:ext uri="{28A0092B-C50C-407E-A947-70E740481C1C}">
+                <a14:useLocalDpi xmlns:a14="http://schemas.microsoft.com/office/drawing/2010/main" val="0"/>
+              </a:ext>
+            </a:extLst>
+          </a:blip>
+          <a:stretch>
+            <a:fillRect/>
+          </a:stretch>
+        </p:blipFill>
+        <p:spPr>
+          <a:xfrm>
+            <a:off x="8792711" y="166342"/>
+            <a:ext cx="3313150" cy="6444024"/>
+          </a:xfrm>
+          <a:prstGeom prst="rect">
+            <a:avLst/>
+          </a:prstGeom>
+        </p:spPr>
+      </p:pic>
+      <p:pic>
+        <p:nvPicPr>
+          <p:cNvPr id="6" name="圖片 5"/>
+          <p:cNvPicPr>
+            <a:picLocks noChangeAspect="1"/>
+          </p:cNvPicPr>
+          <p:nvPr/>
+        </p:nvPicPr>
+        <p:blipFill>
+          <a:blip r:embed="rId3"/>
+          <a:stretch>
+            <a:fillRect/>
+          </a:stretch>
+        </p:blipFill>
+        <p:spPr>
+          <a:xfrm>
+            <a:off x="86139" y="4406601"/>
+            <a:ext cx="7828186" cy="683120"/>
+          </a:xfrm>
+          <a:prstGeom prst="rect">
+            <a:avLst/>
+          </a:prstGeom>
+        </p:spPr>
+      </p:pic>
+      <p:pic>
+        <p:nvPicPr>
+          <p:cNvPr id="7" name="圖片 6"/>
+          <p:cNvPicPr>
+            <a:picLocks noChangeAspect="1"/>
+          </p:cNvPicPr>
+          <p:nvPr/>
+        </p:nvPicPr>
+        <p:blipFill>
+          <a:blip r:embed="rId4"/>
+          <a:stretch>
+            <a:fillRect/>
+          </a:stretch>
+        </p:blipFill>
+        <p:spPr>
+          <a:xfrm>
+            <a:off x="86139" y="3814566"/>
+            <a:ext cx="9914021" cy="332565"/>
+          </a:xfrm>
+          <a:prstGeom prst="rect">
+            <a:avLst/>
+          </a:prstGeom>
+        </p:spPr>
+      </p:pic>
+    </p:spTree>
+    <p:extLst>
+      <p:ext uri="{BB962C8B-B14F-4D97-AF65-F5344CB8AC3E}">
+        <p14:creationId xmlns:p14="http://schemas.microsoft.com/office/powerpoint/2010/main" val="2288870236"/>
+      </p:ext>
+    </p:extLst>
+  </p:cSld>
+  <p:clrMapOvr>
+    <a:masterClrMapping/>
+  </p:clrMapOvr>
+  <p:timing>
+    <p:tnLst>
+      <p:par>
+        <p:cTn id="1" dur="indefinite" restart="never" nodeType="tmRoot"/>
+      </p:par>
+    </p:tnLst>
+  </p:timing>
+</p:sld>
+</file>
+
+<file path=ppt/slides/slide13.xml><?xml version="1.0" encoding="utf-8"?>
+<p:sld xmlns:a="http://schemas.openxmlformats.org/drawingml/2006/main" xmlns:r="http://schemas.openxmlformats.org/officeDocument/2006/relationships" xmlns:p="http://schemas.openxmlformats.org/presentationml/2006/main">
+  <p:cSld>
+    <p:spTree>
+      <p:nvGrpSpPr>
+        <p:cNvPr id="1" name=""/>
+        <p:cNvGrpSpPr/>
+        <p:nvPr/>
+      </p:nvGrpSpPr>
+      <p:grpSpPr>
+        <a:xfrm>
+          <a:off x="0" y="0"/>
+          <a:ext cx="0" cy="0"/>
+          <a:chOff x="0" y="0"/>
+          <a:chExt cx="0" cy="0"/>
+        </a:xfrm>
+      </p:grpSpPr>
+      <p:sp>
+        <p:nvSpPr>
+          <p:cNvPr id="2" name="標題 1"/>
+          <p:cNvSpPr>
+            <a:spLocks noGrp="1"/>
+          </p:cNvSpPr>
+          <p:nvPr>
+            <p:ph type="title"/>
+          </p:nvPr>
+        </p:nvSpPr>
+        <p:spPr/>
+        <p:txBody>
+          <a:bodyPr/>
+          <a:lstStyle/>
+          <a:p>
+            <a:r>
+              <a:rPr lang="en-US" altLang="zh-TW" dirty="0" smtClean="0"/>
+              <a:t>Generated C Code</a:t>
+            </a:r>
+            <a:endParaRPr lang="zh-TW" altLang="en-US" dirty="0"/>
+          </a:p>
+        </p:txBody>
+      </p:sp>
+      <p:sp>
+        <p:nvSpPr>
+          <p:cNvPr id="3" name="內容版面配置區 2"/>
+          <p:cNvSpPr>
+            <a:spLocks noGrp="1"/>
+          </p:cNvSpPr>
+          <p:nvPr>
+            <p:ph idx="1"/>
+          </p:nvPr>
+        </p:nvSpPr>
+        <p:spPr/>
+        <p:txBody>
+          <a:bodyPr/>
+          <a:lstStyle/>
+          <a:p>
+            <a:r>
+              <a:rPr lang="en-US" altLang="zh-TW" dirty="0" smtClean="0"/>
+              <a:t>Header Generator</a:t>
+            </a:r>
+          </a:p>
+          <a:p>
+            <a:pPr lvl="1"/>
+            <a:r>
+              <a:rPr lang="en-US" altLang="zh-TW" dirty="0" smtClean="0"/>
+              <a:t>MSA Packet</a:t>
+            </a:r>
+          </a:p>
+          <a:p>
+            <a:pPr lvl="1"/>
+            <a:r>
+              <a:rPr lang="en-US" altLang="zh-TW" dirty="0"/>
+              <a:t>S</a:t>
+            </a:r>
+            <a:r>
+              <a:rPr lang="en-US" altLang="zh-TW" dirty="0" smtClean="0"/>
+              <a:t>D Packet</a:t>
+            </a:r>
+          </a:p>
+          <a:p>
+            <a:endParaRPr lang="en-US" altLang="zh-TW" dirty="0"/>
+          </a:p>
+          <a:p>
+            <a:r>
+              <a:rPr lang="en-US" altLang="zh-TW" dirty="0" smtClean="0"/>
+              <a:t>Payload Generator</a:t>
+            </a:r>
+          </a:p>
+          <a:p>
+            <a:pPr lvl="1"/>
+            <a:r>
+              <a:rPr lang="en-US" altLang="zh-TW" dirty="0" smtClean="0"/>
+              <a:t>BS Packet</a:t>
+            </a:r>
+          </a:p>
+          <a:p>
+            <a:pPr lvl="1"/>
+            <a:r>
+              <a:rPr lang="en-US" altLang="zh-TW" dirty="0" smtClean="0"/>
+              <a:t>VD Packet</a:t>
+            </a:r>
+            <a:endParaRPr lang="zh-TW" altLang="en-US" dirty="0"/>
+          </a:p>
+        </p:txBody>
+      </p:sp>
+    </p:spTree>
+    <p:extLst>
+      <p:ext uri="{BB962C8B-B14F-4D97-AF65-F5344CB8AC3E}">
+        <p14:creationId xmlns:p14="http://schemas.microsoft.com/office/powerpoint/2010/main" val="2544230847"/>
+      </p:ext>
+    </p:extLst>
+  </p:cSld>
+  <p:clrMapOvr>
+    <a:masterClrMapping/>
+  </p:clrMapOvr>
+</p:sld>
+</file>
+
+<file path=ppt/slides/slide14.xml><?xml version="1.0" encoding="utf-8"?>
+<p:sld xmlns:a="http://schemas.openxmlformats.org/drawingml/2006/main" xmlns:r="http://schemas.openxmlformats.org/officeDocument/2006/relationships" xmlns:p="http://schemas.openxmlformats.org/presentationml/2006/main">
+  <p:cSld>
+    <p:spTree>
+      <p:nvGrpSpPr>
+        <p:cNvPr id="1" name=""/>
+        <p:cNvGrpSpPr/>
+        <p:nvPr/>
+      </p:nvGrpSpPr>
+      <p:grpSpPr>
+        <a:xfrm>
+          <a:off x="0" y="0"/>
+          <a:ext cx="0" cy="0"/>
+          <a:chOff x="0" y="0"/>
+          <a:chExt cx="0" cy="0"/>
+        </a:xfrm>
+      </p:grpSpPr>
+      <p:pic>
+        <p:nvPicPr>
+          <p:cNvPr id="4" name="圖片 3"/>
+          <p:cNvPicPr>
+            <a:picLocks noChangeAspect="1"/>
+          </p:cNvPicPr>
+          <p:nvPr/>
+        </p:nvPicPr>
+        <p:blipFill>
+          <a:blip r:embed="rId3"/>
+          <a:stretch>
+            <a:fillRect/>
+          </a:stretch>
+        </p:blipFill>
+        <p:spPr>
+          <a:xfrm>
+            <a:off x="1395559" y="157035"/>
+            <a:ext cx="3693276" cy="6637685"/>
+          </a:xfrm>
+          <a:prstGeom prst="rect">
+            <a:avLst/>
+          </a:prstGeom>
+        </p:spPr>
+      </p:pic>
+      <p:pic>
+        <p:nvPicPr>
+          <p:cNvPr id="5" name="圖片 4"/>
+          <p:cNvPicPr>
+            <a:picLocks noChangeAspect="1"/>
+          </p:cNvPicPr>
+          <p:nvPr/>
+        </p:nvPicPr>
+        <p:blipFill>
+          <a:blip r:embed="rId4"/>
+          <a:stretch>
+            <a:fillRect/>
+          </a:stretch>
+        </p:blipFill>
+        <p:spPr>
+          <a:xfrm>
+            <a:off x="5307005" y="157035"/>
+            <a:ext cx="5291281" cy="6637685"/>
+          </a:xfrm>
+          <a:prstGeom prst="rect">
+            <a:avLst/>
+          </a:prstGeom>
+        </p:spPr>
+      </p:pic>
+    </p:spTree>
+    <p:extLst>
+      <p:ext uri="{BB962C8B-B14F-4D97-AF65-F5344CB8AC3E}">
+        <p14:creationId xmlns:p14="http://schemas.microsoft.com/office/powerpoint/2010/main" val="2430798879"/>
+      </p:ext>
+    </p:extLst>
+  </p:cSld>
+  <p:clrMapOvr>
+    <a:masterClrMapping/>
+  </p:clrMapOvr>
+  <p:timing>
+    <p:tnLst>
+      <p:par>
+        <p:cTn id="1" dur="indefinite" restart="never" nodeType="tmRoot"/>
+      </p:par>
+    </p:tnLst>
+  </p:timing>
+</p:sld>
+</file>
+
+<file path=ppt/slides/slide15.xml><?xml version="1.0" encoding="utf-8"?>
+<p:sld xmlns:a="http://schemas.openxmlformats.org/drawingml/2006/main" xmlns:r="http://schemas.openxmlformats.org/officeDocument/2006/relationships" xmlns:p="http://schemas.openxmlformats.org/presentationml/2006/main">
+  <p:cSld>
+    <p:spTree>
+      <p:nvGrpSpPr>
+        <p:cNvPr id="1" name=""/>
+        <p:cNvGrpSpPr/>
+        <p:nvPr/>
+      </p:nvGrpSpPr>
+      <p:grpSpPr>
+        <a:xfrm>
+          <a:off x="0" y="0"/>
+          <a:ext cx="0" cy="0"/>
+          <a:chOff x="0" y="0"/>
+          <a:chExt cx="0" cy="0"/>
+        </a:xfrm>
+      </p:grpSpPr>
+      <p:sp>
+        <p:nvSpPr>
+          <p:cNvPr id="2" name="標題 1"/>
+          <p:cNvSpPr>
+            <a:spLocks noGrp="1"/>
+          </p:cNvSpPr>
+          <p:nvPr>
+            <p:ph type="title"/>
+          </p:nvPr>
+        </p:nvSpPr>
+        <p:spPr/>
+        <p:txBody>
+          <a:bodyPr/>
+          <a:lstStyle/>
+          <a:p>
+            <a:endParaRPr lang="zh-TW" altLang="en-US"/>
+          </a:p>
+        </p:txBody>
+      </p:sp>
+      <p:sp>
+        <p:nvSpPr>
+          <p:cNvPr id="3" name="內容版面配置區 2"/>
+          <p:cNvSpPr>
+            <a:spLocks noGrp="1"/>
+          </p:cNvSpPr>
+          <p:nvPr>
+            <p:ph idx="1"/>
+          </p:nvPr>
+        </p:nvSpPr>
+        <p:spPr/>
+        <p:txBody>
+          <a:bodyPr/>
+          <a:lstStyle/>
+          <a:p>
+            <a:endParaRPr lang="zh-TW" altLang="en-US"/>
+          </a:p>
+        </p:txBody>
+      </p:sp>
+      <p:pic>
+        <p:nvPicPr>
+          <p:cNvPr id="4" name="圖片 3"/>
+          <p:cNvPicPr>
+            <a:picLocks noChangeAspect="1"/>
+          </p:cNvPicPr>
+          <p:nvPr/>
+        </p:nvPicPr>
+        <p:blipFill>
+          <a:blip r:embed="rId3"/>
+          <a:stretch>
+            <a:fillRect/>
+          </a:stretch>
+        </p:blipFill>
+        <p:spPr>
+          <a:xfrm>
+            <a:off x="245698" y="158632"/>
+            <a:ext cx="5049755" cy="6654918"/>
+          </a:xfrm>
+          <a:prstGeom prst="rect">
+            <a:avLst/>
+          </a:prstGeom>
+        </p:spPr>
+      </p:pic>
+      <p:pic>
+        <p:nvPicPr>
+          <p:cNvPr id="5" name="圖片 4"/>
+          <p:cNvPicPr>
+            <a:picLocks noChangeAspect="1"/>
+          </p:cNvPicPr>
+          <p:nvPr/>
+        </p:nvPicPr>
+        <p:blipFill>
+          <a:blip r:embed="rId4"/>
+          <a:stretch>
+            <a:fillRect/>
+          </a:stretch>
+        </p:blipFill>
+        <p:spPr>
+          <a:xfrm>
+            <a:off x="5336270" y="44878"/>
+            <a:ext cx="6610032" cy="6768672"/>
+          </a:xfrm>
+          <a:prstGeom prst="rect">
+            <a:avLst/>
+          </a:prstGeom>
+        </p:spPr>
+      </p:pic>
+    </p:spTree>
+    <p:extLst>
+      <p:ext uri="{BB962C8B-B14F-4D97-AF65-F5344CB8AC3E}">
+        <p14:creationId xmlns:p14="http://schemas.microsoft.com/office/powerpoint/2010/main" val="1535964068"/>
+      </p:ext>
+    </p:extLst>
+  </p:cSld>
+  <p:clrMapOvr>
+    <a:masterClrMapping/>
+  </p:clrMapOvr>
+  <p:timing>
+    <p:tnLst>
+      <p:par>
+        <p:cTn id="1" dur="indefinite" restart="never" nodeType="tmRoot"/>
+      </p:par>
+    </p:tnLst>
+  </p:timing>
+</p:sld>
+</file>
+
+<file path=ppt/slides/slide16.xml><?xml version="1.0" encoding="utf-8"?>
+<p:sld xmlns:a="http://schemas.openxmlformats.org/drawingml/2006/main" xmlns:r="http://schemas.openxmlformats.org/officeDocument/2006/relationships" xmlns:p="http://schemas.openxmlformats.org/presentationml/2006/main">
+  <p:cSld>
+    <p:spTree>
+      <p:nvGrpSpPr>
+        <p:cNvPr id="1" name=""/>
+        <p:cNvGrpSpPr/>
+        <p:nvPr/>
+      </p:nvGrpSpPr>
+      <p:grpSpPr>
+        <a:xfrm>
+          <a:off x="0" y="0"/>
+          <a:ext cx="0" cy="0"/>
+          <a:chOff x="0" y="0"/>
+          <a:chExt cx="0" cy="0"/>
+        </a:xfrm>
+      </p:grpSpPr>
+      <p:sp>
+        <p:nvSpPr>
+          <p:cNvPr id="2" name="標題 1"/>
+          <p:cNvSpPr>
+            <a:spLocks noGrp="1"/>
+          </p:cNvSpPr>
+          <p:nvPr>
+            <p:ph type="title"/>
+          </p:nvPr>
+        </p:nvSpPr>
+        <p:spPr/>
+        <p:txBody>
+          <a:bodyPr/>
+          <a:lstStyle/>
+          <a:p>
+            <a:endParaRPr lang="zh-TW" altLang="en-US"/>
+          </a:p>
+        </p:txBody>
+      </p:sp>
+      <p:sp>
+        <p:nvSpPr>
+          <p:cNvPr id="3" name="內容版面配置區 2"/>
+          <p:cNvSpPr>
+            <a:spLocks noGrp="1"/>
+          </p:cNvSpPr>
+          <p:nvPr>
+            <p:ph idx="1"/>
+          </p:nvPr>
+        </p:nvSpPr>
+        <p:spPr/>
+        <p:txBody>
+          <a:bodyPr/>
+          <a:lstStyle/>
+          <a:p>
+            <a:endParaRPr lang="zh-TW" altLang="en-US"/>
+          </a:p>
+        </p:txBody>
+      </p:sp>
+      <p:pic>
+        <p:nvPicPr>
+          <p:cNvPr id="5" name="圖片 4"/>
+          <p:cNvPicPr>
+            <a:picLocks noChangeAspect="1"/>
+          </p:cNvPicPr>
+          <p:nvPr/>
+        </p:nvPicPr>
+        <p:blipFill>
+          <a:blip r:embed="rId3"/>
+          <a:stretch>
+            <a:fillRect/>
+          </a:stretch>
+        </p:blipFill>
+        <p:spPr>
+          <a:xfrm>
+            <a:off x="229014" y="156956"/>
+            <a:ext cx="6052516" cy="6576822"/>
+          </a:xfrm>
+          <a:prstGeom prst="rect">
+            <a:avLst/>
+          </a:prstGeom>
+        </p:spPr>
+      </p:pic>
+      <p:pic>
+        <p:nvPicPr>
+          <p:cNvPr id="6" name="圖片 5"/>
+          <p:cNvPicPr>
+            <a:picLocks noChangeAspect="1"/>
+          </p:cNvPicPr>
+          <p:nvPr/>
+        </p:nvPicPr>
+        <p:blipFill>
+          <a:blip r:embed="rId4"/>
+          <a:stretch>
+            <a:fillRect/>
+          </a:stretch>
+        </p:blipFill>
+        <p:spPr>
+          <a:xfrm>
+            <a:off x="6520070" y="156956"/>
+            <a:ext cx="5572539" cy="6663791"/>
+          </a:xfrm>
+          <a:prstGeom prst="rect">
+            <a:avLst/>
+          </a:prstGeom>
+        </p:spPr>
+      </p:pic>
+    </p:spTree>
+    <p:extLst>
+      <p:ext uri="{BB962C8B-B14F-4D97-AF65-F5344CB8AC3E}">
+        <p14:creationId xmlns:p14="http://schemas.microsoft.com/office/powerpoint/2010/main" val="755223816"/>
+      </p:ext>
+    </p:extLst>
+  </p:cSld>
+  <p:clrMapOvr>
+    <a:masterClrMapping/>
+  </p:clrMapOvr>
+  <p:timing>
+    <p:tnLst>
+      <p:par>
+        <p:cTn id="1" dur="indefinite" restart="never" nodeType="tmRoot"/>
+      </p:par>
+    </p:tnLst>
+  </p:timing>
+</p:sld>
+</file>
+
+<file path=ppt/slides/slide17.xml><?xml version="1.0" encoding="utf-8"?>
+<p:sld xmlns:a="http://schemas.openxmlformats.org/drawingml/2006/main" xmlns:r="http://schemas.openxmlformats.org/officeDocument/2006/relationships" xmlns:p="http://schemas.openxmlformats.org/presentationml/2006/main">
+  <p:cSld>
+    <p:spTree>
+      <p:nvGrpSpPr>
+        <p:cNvPr id="1" name=""/>
+        <p:cNvGrpSpPr/>
+        <p:nvPr/>
+      </p:nvGrpSpPr>
+      <p:grpSpPr>
+        <a:xfrm>
+          <a:off x="0" y="0"/>
+          <a:ext cx="0" cy="0"/>
+          <a:chOff x="0" y="0"/>
+          <a:chExt cx="0" cy="0"/>
+        </a:xfrm>
+      </p:grpSpPr>
+      <p:sp>
+        <p:nvSpPr>
+          <p:cNvPr id="2" name="標題 1"/>
+          <p:cNvSpPr>
+            <a:spLocks noGrp="1"/>
+          </p:cNvSpPr>
+          <p:nvPr>
+            <p:ph type="title"/>
+          </p:nvPr>
+        </p:nvSpPr>
+        <p:spPr/>
+        <p:txBody>
+          <a:bodyPr/>
+          <a:lstStyle/>
+          <a:p>
+            <a:endParaRPr lang="zh-TW" altLang="en-US"/>
+          </a:p>
+        </p:txBody>
+      </p:sp>
+      <p:sp>
+        <p:nvSpPr>
+          <p:cNvPr id="3" name="內容版面配置區 2"/>
+          <p:cNvSpPr>
+            <a:spLocks noGrp="1"/>
+          </p:cNvSpPr>
+          <p:nvPr>
+            <p:ph idx="1"/>
+          </p:nvPr>
+        </p:nvSpPr>
+        <p:spPr/>
+        <p:txBody>
+          <a:bodyPr/>
+          <a:lstStyle/>
+          <a:p>
+            <a:endParaRPr lang="zh-TW" altLang="en-US"/>
+          </a:p>
+        </p:txBody>
+      </p:sp>
+      <p:pic>
+        <p:nvPicPr>
+          <p:cNvPr id="4" name="圖片 3"/>
+          <p:cNvPicPr>
+            <a:picLocks noChangeAspect="1"/>
+          </p:cNvPicPr>
+          <p:nvPr/>
+        </p:nvPicPr>
+        <p:blipFill>
+          <a:blip r:embed="rId3"/>
+          <a:stretch>
+            <a:fillRect/>
+          </a:stretch>
+        </p:blipFill>
+        <p:spPr>
+          <a:xfrm>
+            <a:off x="0" y="485786"/>
+            <a:ext cx="5673794" cy="5855488"/>
+          </a:xfrm>
+          <a:prstGeom prst="rect">
+            <a:avLst/>
+          </a:prstGeom>
+        </p:spPr>
+      </p:pic>
+      <p:pic>
+        <p:nvPicPr>
+          <p:cNvPr id="5" name="圖片 4"/>
+          <p:cNvPicPr>
+            <a:picLocks noChangeAspect="1"/>
+          </p:cNvPicPr>
+          <p:nvPr/>
+        </p:nvPicPr>
+        <p:blipFill>
+          <a:blip r:embed="rId4"/>
+          <a:stretch>
+            <a:fillRect/>
+          </a:stretch>
+        </p:blipFill>
+        <p:spPr>
+          <a:xfrm>
+            <a:off x="5657720" y="224568"/>
+            <a:ext cx="6534280" cy="6235976"/>
+          </a:xfrm>
+          <a:prstGeom prst="rect">
+            <a:avLst/>
+          </a:prstGeom>
+        </p:spPr>
+      </p:pic>
+    </p:spTree>
+    <p:extLst>
+      <p:ext uri="{BB962C8B-B14F-4D97-AF65-F5344CB8AC3E}">
+        <p14:creationId xmlns:p14="http://schemas.microsoft.com/office/powerpoint/2010/main" val="714390305"/>
+      </p:ext>
+    </p:extLst>
+  </p:cSld>
+  <p:clrMapOvr>
+    <a:masterClrMapping/>
+  </p:clrMapOvr>
+  <p:timing>
+    <p:tnLst>
+      <p:par>
+        <p:cTn id="1" dur="indefinite" restart="never" nodeType="tmRoot"/>
+      </p:par>
+    </p:tnLst>
+  </p:timing>
+</p:sld>
+</file>
+
+<file path=ppt/slides/slide18.xml><?xml version="1.0" encoding="utf-8"?>
+<p:sld xmlns:a="http://schemas.openxmlformats.org/drawingml/2006/main" xmlns:r="http://schemas.openxmlformats.org/officeDocument/2006/relationships" xmlns:p="http://schemas.openxmlformats.org/presentationml/2006/main">
+  <p:cSld>
+    <p:spTree>
+      <p:nvGrpSpPr>
+        <p:cNvPr id="1" name=""/>
+        <p:cNvGrpSpPr/>
+        <p:nvPr/>
+      </p:nvGrpSpPr>
+      <p:grpSpPr>
+        <a:xfrm>
+          <a:off x="0" y="0"/>
+          <a:ext cx="0" cy="0"/>
+          <a:chOff x="0" y="0"/>
+          <a:chExt cx="0" cy="0"/>
+        </a:xfrm>
+      </p:grpSpPr>
+      <p:sp>
+        <p:nvSpPr>
+          <p:cNvPr id="2" name="標題 1"/>
+          <p:cNvSpPr>
+            <a:spLocks noGrp="1"/>
+          </p:cNvSpPr>
+          <p:nvPr>
+            <p:ph type="title"/>
+          </p:nvPr>
+        </p:nvSpPr>
+        <p:spPr/>
+        <p:txBody>
+          <a:bodyPr/>
+          <a:lstStyle/>
+          <a:p>
+            <a:r>
+              <a:rPr lang="en-US" altLang="zh-TW" dirty="0" smtClean="0"/>
+              <a:t>Methods - Staged</a:t>
+            </a:r>
+            <a:endParaRPr lang="zh-TW" altLang="en-US" dirty="0"/>
+          </a:p>
+        </p:txBody>
+      </p:sp>
+      <p:sp>
+        <p:nvSpPr>
+          <p:cNvPr id="3" name="內容版面配置區 2"/>
+          <p:cNvSpPr>
+            <a:spLocks noGrp="1"/>
+          </p:cNvSpPr>
+          <p:nvPr>
+            <p:ph idx="1"/>
+          </p:nvPr>
+        </p:nvSpPr>
+        <p:spPr/>
+        <p:txBody>
+          <a:bodyPr/>
+          <a:lstStyle/>
+          <a:p>
+            <a:r>
+              <a:rPr lang="en-US" altLang="zh-TW" dirty="0" smtClean="0"/>
+              <a:t>Human Check</a:t>
+            </a:r>
+          </a:p>
+          <a:p>
+            <a:pPr lvl="1"/>
+            <a:r>
+              <a:rPr lang="en-US" altLang="zh-TW" dirty="0" smtClean="0"/>
+              <a:t>If there are errors in the generated code</a:t>
+            </a:r>
+          </a:p>
+          <a:p>
+            <a:pPr lvl="2"/>
+            <a:r>
+              <a:rPr lang="en-US" altLang="zh-TW" dirty="0"/>
+              <a:t>e.g. Big/Little Endian, Wrong bit position, complex calculate, etc</a:t>
+            </a:r>
+            <a:r>
+              <a:rPr lang="en-US" altLang="zh-TW" dirty="0" smtClean="0"/>
+              <a:t>.</a:t>
+            </a:r>
+            <a:br>
+              <a:rPr lang="en-US" altLang="zh-TW" dirty="0" smtClean="0"/>
+            </a:br>
+            <a:endParaRPr lang="en-US" altLang="zh-TW" dirty="0" smtClean="0"/>
+          </a:p>
+          <a:p>
+            <a:pPr lvl="2"/>
+            <a:r>
+              <a:rPr lang="en-US" altLang="zh-TW" dirty="0" smtClean="0"/>
+              <a:t>Modify the User Query</a:t>
+            </a:r>
+          </a:p>
+          <a:p>
+            <a:pPr lvl="2"/>
+            <a:r>
+              <a:rPr lang="en-US" altLang="zh-TW" dirty="0" smtClean="0"/>
+              <a:t>Add additional information provided to the Language Model</a:t>
+            </a:r>
+          </a:p>
+          <a:p>
+            <a:pPr lvl="2"/>
+            <a:r>
+              <a:rPr lang="en-US" altLang="zh-TW" dirty="0"/>
+              <a:t>Debug the generated </a:t>
+            </a:r>
+            <a:r>
+              <a:rPr lang="en-US" altLang="zh-TW" dirty="0" smtClean="0"/>
+              <a:t>code</a:t>
+            </a:r>
+            <a:br>
+              <a:rPr lang="en-US" altLang="zh-TW" dirty="0" smtClean="0"/>
+            </a:br>
+            <a:endParaRPr lang="en-US" altLang="zh-TW" dirty="0" smtClean="0"/>
+          </a:p>
+          <a:p>
+            <a:pPr lvl="1"/>
+            <a:r>
+              <a:rPr lang="en-US" altLang="zh-TW" dirty="0" smtClean="0"/>
+              <a:t>Trade-off</a:t>
+            </a:r>
+          </a:p>
+          <a:p>
+            <a:pPr lvl="2"/>
+            <a:r>
+              <a:rPr lang="en-US" altLang="zh-TW" dirty="0" smtClean="0"/>
+              <a:t>Consider the balance between performance and the amount of information provided.</a:t>
+            </a:r>
+          </a:p>
+        </p:txBody>
+      </p:sp>
+    </p:spTree>
+    <p:extLst>
+      <p:ext uri="{BB962C8B-B14F-4D97-AF65-F5344CB8AC3E}">
+        <p14:creationId xmlns:p14="http://schemas.microsoft.com/office/powerpoint/2010/main" val="3420442386"/>
+      </p:ext>
+    </p:extLst>
+  </p:cSld>
+  <p:clrMapOvr>
+    <a:masterClrMapping/>
+  </p:clrMapOvr>
+  <p:timing>
+    <p:tnLst>
+      <p:par>
+        <p:cTn id="1" dur="indefinite" restart="never" nodeType="tmRoot"/>
+      </p:par>
+    </p:tnLst>
+  </p:timing>
 </p:sld>
 </file>
 
@@ -3791,19 +5787,13 @@
           <a:p>
             <a:r>
               <a:rPr lang="en-US" altLang="zh-TW" dirty="0" smtClean="0"/>
-              <a:t>Introduction</a:t>
+              <a:t>Language Models</a:t>
             </a:r>
           </a:p>
           <a:p>
             <a:r>
               <a:rPr lang="en-US" altLang="zh-TW" dirty="0" smtClean="0"/>
               <a:t>PDF Parsing</a:t>
-            </a:r>
-          </a:p>
-          <a:p>
-            <a:r>
-              <a:rPr lang="en-US" altLang="zh-TW" dirty="0" smtClean="0"/>
-              <a:t>Language Models</a:t>
             </a:r>
           </a:p>
           <a:p>
@@ -3890,164 +5880,45 @@
           <a:p>
             <a:r>
               <a:rPr lang="en-US" altLang="zh-TW" dirty="0" smtClean="0"/>
-              <a:t>PDF Parsing</a:t>
+              <a:t>Language Models</a:t>
             </a:r>
             <a:endParaRPr lang="zh-TW" altLang="en-US" dirty="0"/>
           </a:p>
         </p:txBody>
       </p:sp>
-      <p:sp>
-        <p:nvSpPr>
-          <p:cNvPr id="3" name="內容版面配置區 2"/>
-          <p:cNvSpPr>
-            <a:spLocks noGrp="1"/>
-          </p:cNvSpPr>
+      <p:pic>
+        <p:nvPicPr>
+          <p:cNvPr id="4" name="內容版面配置區 3"/>
+          <p:cNvPicPr>
+            <a:picLocks noGrp="1" noChangeAspect="1"/>
+          </p:cNvPicPr>
           <p:nvPr>
             <p:ph idx="1"/>
           </p:nvPr>
-        </p:nvSpPr>
+        </p:nvPicPr>
+        <p:blipFill>
+          <a:blip r:embed="rId3">
+            <a:extLst>
+              <a:ext uri="{28A0092B-C50C-407E-A947-70E740481C1C}">
+                <a14:useLocalDpi xmlns:a14="http://schemas.microsoft.com/office/drawing/2010/main" val="0"/>
+              </a:ext>
+            </a:extLst>
+          </a:blip>
+          <a:stretch>
+            <a:fillRect/>
+          </a:stretch>
+        </p:blipFill>
         <p:spPr>
           <a:xfrm>
-            <a:off x="838199" y="1825625"/>
-            <a:ext cx="11148391" cy="4932984"/>
+            <a:off x="1998983" y="1840303"/>
+            <a:ext cx="8194034" cy="4438994"/>
           </a:xfrm>
         </p:spPr>
-        <p:txBody>
-          <a:bodyPr>
-            <a:normAutofit/>
-          </a:bodyPr>
-          <a:lstStyle/>
-          <a:p>
-            <a:r>
-              <a:rPr lang="en-US" altLang="zh-TW" dirty="0" smtClean="0"/>
-              <a:t>Tools</a:t>
-            </a:r>
-          </a:p>
-          <a:p>
-            <a:pPr lvl="1"/>
-            <a:r>
-              <a:rPr lang="en-US" altLang="zh-TW" dirty="0" smtClean="0"/>
-              <a:t>(With Similarity Search)</a:t>
-            </a:r>
-          </a:p>
-          <a:p>
-            <a:pPr lvl="1"/>
-            <a:r>
-              <a:rPr lang="en-US" altLang="zh-TW" dirty="0" err="1" smtClean="0"/>
-              <a:t>PyPDFLoader</a:t>
-            </a:r>
-            <a:r>
-              <a:rPr lang="en-US" altLang="zh-TW" dirty="0" smtClean="0"/>
-              <a:t> 			from </a:t>
-            </a:r>
-            <a:r>
-              <a:rPr lang="en-US" altLang="zh-TW" dirty="0" err="1" smtClean="0"/>
-              <a:t>langchain_community.document_loaders</a:t>
-            </a:r>
-            <a:endParaRPr lang="en-US" altLang="zh-TW" dirty="0" smtClean="0"/>
-          </a:p>
-          <a:p>
-            <a:pPr lvl="1"/>
-            <a:r>
-              <a:rPr lang="en-US" altLang="zh-TW" dirty="0" err="1" smtClean="0"/>
-              <a:t>HuggingFaceEmbeddings</a:t>
-            </a:r>
-            <a:r>
-              <a:rPr lang="en-US" altLang="zh-TW" dirty="0" smtClean="0"/>
-              <a:t> 	from </a:t>
-            </a:r>
-            <a:r>
-              <a:rPr lang="en-US" altLang="zh-TW" dirty="0" err="1" smtClean="0"/>
-              <a:t>langchain_huggingface</a:t>
-            </a:r>
-            <a:endParaRPr lang="en-US" altLang="zh-TW" dirty="0" smtClean="0"/>
-          </a:p>
-          <a:p>
-            <a:pPr lvl="1"/>
-            <a:r>
-              <a:rPr lang="en-US" altLang="zh-TW" dirty="0" smtClean="0"/>
-              <a:t>FAISS				from </a:t>
-            </a:r>
-            <a:r>
-              <a:rPr lang="en-US" altLang="zh-TW" dirty="0" err="1" smtClean="0"/>
-              <a:t>langchain_community.vectorstores</a:t>
-            </a:r>
-            <a:endParaRPr lang="en-US" altLang="zh-TW" dirty="0" smtClean="0"/>
-          </a:p>
-          <a:p>
-            <a:pPr lvl="1"/>
-            <a:endParaRPr lang="en-US" altLang="zh-TW" dirty="0" smtClean="0"/>
-          </a:p>
-          <a:p>
-            <a:pPr lvl="1"/>
-            <a:r>
-              <a:rPr lang="en-US" altLang="zh-TW" dirty="0" smtClean="0"/>
-              <a:t>(Without Similarity Search, </a:t>
-            </a:r>
-            <a:r>
-              <a:rPr lang="en-US" altLang="zh-TW" dirty="0" smtClean="0">
-                <a:solidFill>
-                  <a:srgbClr val="FF0000"/>
-                </a:solidFill>
-              </a:rPr>
-              <a:t>Currently </a:t>
-            </a:r>
-            <a:r>
-              <a:rPr lang="en-US" altLang="zh-TW" dirty="0">
-                <a:solidFill>
-                  <a:srgbClr val="FF0000"/>
-                </a:solidFill>
-              </a:rPr>
-              <a:t>U</a:t>
-            </a:r>
-            <a:r>
-              <a:rPr lang="en-US" altLang="zh-TW" dirty="0" smtClean="0">
-                <a:solidFill>
-                  <a:srgbClr val="FF0000"/>
-                </a:solidFill>
-              </a:rPr>
-              <a:t>sed</a:t>
-            </a:r>
-            <a:r>
-              <a:rPr lang="en-US" altLang="zh-TW" dirty="0" smtClean="0"/>
-              <a:t>)</a:t>
-            </a:r>
-          </a:p>
-          <a:p>
-            <a:pPr lvl="1"/>
-            <a:r>
-              <a:rPr lang="en-US" altLang="zh-TW" dirty="0" err="1"/>
-              <a:t>p</a:t>
-            </a:r>
-            <a:r>
-              <a:rPr lang="en-US" altLang="zh-TW" dirty="0" err="1" smtClean="0"/>
-              <a:t>dfplumber</a:t>
-            </a:r>
-            <a:endParaRPr lang="en-US" altLang="zh-TW" dirty="0" smtClean="0"/>
-          </a:p>
-          <a:p>
-            <a:pPr lvl="1"/>
-            <a:r>
-              <a:rPr lang="en-US" altLang="zh-TW" dirty="0" smtClean="0"/>
-              <a:t>Pandas</a:t>
-            </a:r>
-          </a:p>
-          <a:p>
-            <a:pPr lvl="1"/>
-            <a:endParaRPr lang="en-US" altLang="zh-TW" dirty="0"/>
-          </a:p>
-          <a:p>
-            <a:pPr marL="457200" lvl="1" indent="0">
-              <a:buNone/>
-            </a:pPr>
-            <a:endParaRPr lang="en-US" altLang="zh-TW" dirty="0"/>
-          </a:p>
-        </p:txBody>
-      </p:sp>
+      </p:pic>
     </p:spTree>
     <p:extLst>
       <p:ext uri="{BB962C8B-B14F-4D97-AF65-F5344CB8AC3E}">
-        <p14:creationId xmlns:p14="http://schemas.microsoft.com/office/powerpoint/2010/main" val="3902841115"/>
+        <p14:creationId xmlns:p14="http://schemas.microsoft.com/office/powerpoint/2010/main" val="182002267"/>
       </p:ext>
     </p:extLst>
   </p:cSld>
@@ -4091,7 +5962,7 @@
           <a:p>
             <a:r>
               <a:rPr lang="en-US" altLang="zh-TW" dirty="0" smtClean="0"/>
-              <a:t>Language Model</a:t>
+              <a:t>Language Models</a:t>
             </a:r>
             <a:endParaRPr lang="zh-TW" altLang="en-US" dirty="0"/>
           </a:p>
@@ -4107,7 +5978,12 @@
             <p:ph idx="1"/>
           </p:nvPr>
         </p:nvSpPr>
-        <p:spPr/>
+        <p:spPr>
+          <a:xfrm>
+            <a:off x="838200" y="1825624"/>
+            <a:ext cx="10515600" cy="4672941"/>
+          </a:xfrm>
+        </p:spPr>
         <p:txBody>
           <a:bodyPr>
             <a:normAutofit/>
@@ -4116,7 +5992,7 @@
           <a:p>
             <a:r>
               <a:rPr lang="en-US" altLang="zh-TW" dirty="0" smtClean="0"/>
-              <a:t>Directly use the well-trained Language Model</a:t>
+              <a:t>Directly Use the Well-Trained Language Model</a:t>
             </a:r>
           </a:p>
           <a:p>
@@ -4130,14 +6006,14 @@
             <a:pPr lvl="1"/>
             <a:r>
               <a:rPr lang="en-US" altLang="zh-TW" dirty="0" smtClean="0"/>
-              <a:t>Don’t need to train.</a:t>
+              <a:t>No additional training required.</a:t>
             </a:r>
           </a:p>
           <a:p>
             <a:pPr lvl="1"/>
             <a:r>
               <a:rPr lang="en-US" altLang="zh-TW" dirty="0" smtClean="0"/>
-              <a:t>Need the API key to access model.</a:t>
+              <a:t>An API key is required for remote access to the model.</a:t>
             </a:r>
           </a:p>
           <a:p>
@@ -4149,7 +6025,7 @@
           <a:p>
             <a:r>
               <a:rPr lang="en-US" altLang="zh-TW" dirty="0" smtClean="0"/>
-              <a:t>Fine-tune the pre-trained Language Model</a:t>
+              <a:t>Fine-Tune the Pre-Trained Language Model</a:t>
             </a:r>
           </a:p>
           <a:p>
@@ -4163,26 +6039,110 @@
             <a:pPr lvl="1"/>
             <a:r>
               <a:rPr lang="en-US" altLang="zh-TW" dirty="0" smtClean="0"/>
-              <a:t>Need fine-tuning.</a:t>
+              <a:t>Fine-tuning is necessary.</a:t>
             </a:r>
           </a:p>
           <a:p>
             <a:pPr lvl="1"/>
             <a:r>
               <a:rPr lang="en-US" altLang="zh-TW" dirty="0" smtClean="0"/>
-              <a:t>Don’t need the API key.</a:t>
+              <a:t>No API key required.</a:t>
             </a:r>
           </a:p>
           <a:p>
             <a:pPr lvl="1"/>
             <a:r>
               <a:rPr lang="en-US" altLang="zh-TW" dirty="0" smtClean="0"/>
-              <a:t>Run locally.</a:t>
+              <a:t>Runs locally.</a:t>
             </a:r>
             <a:endParaRPr lang="zh-TW" altLang="en-US" dirty="0"/>
           </a:p>
         </p:txBody>
       </p:sp>
+      <p:pic>
+        <p:nvPicPr>
+          <p:cNvPr id="4" name="圖片 3"/>
+          <p:cNvPicPr>
+            <a:picLocks noChangeAspect="1"/>
+          </p:cNvPicPr>
+          <p:nvPr/>
+        </p:nvPicPr>
+        <p:blipFill>
+          <a:blip r:embed="rId3" cstate="print">
+            <a:extLst>
+              <a:ext uri="{28A0092B-C50C-407E-A947-70E740481C1C}">
+                <a14:useLocalDpi xmlns:a14="http://schemas.microsoft.com/office/drawing/2010/main" val="0"/>
+              </a:ext>
+            </a:extLst>
+          </a:blip>
+          <a:stretch>
+            <a:fillRect/>
+          </a:stretch>
+        </p:blipFill>
+        <p:spPr>
+          <a:xfrm>
+            <a:off x="10731260" y="3996905"/>
+            <a:ext cx="1245079" cy="1245079"/>
+          </a:xfrm>
+          <a:prstGeom prst="rect">
+            <a:avLst/>
+          </a:prstGeom>
+        </p:spPr>
+      </p:pic>
+      <p:pic>
+        <p:nvPicPr>
+          <p:cNvPr id="5" name="圖片 4"/>
+          <p:cNvPicPr>
+            <a:picLocks noChangeAspect="1"/>
+          </p:cNvPicPr>
+          <p:nvPr/>
+        </p:nvPicPr>
+        <p:blipFill>
+          <a:blip r:embed="rId4"/>
+          <a:stretch>
+            <a:fillRect/>
+          </a:stretch>
+        </p:blipFill>
+        <p:spPr>
+          <a:xfrm>
+            <a:off x="10353782" y="1554761"/>
+            <a:ext cx="1311287" cy="904336"/>
+          </a:xfrm>
+          <a:prstGeom prst="rect">
+            <a:avLst/>
+          </a:prstGeom>
+        </p:spPr>
+      </p:pic>
+      <p:pic>
+        <p:nvPicPr>
+          <p:cNvPr id="6" name="圖片 5"/>
+          <p:cNvPicPr>
+            <a:picLocks noChangeAspect="1"/>
+          </p:cNvPicPr>
+          <p:nvPr/>
+        </p:nvPicPr>
+        <p:blipFill>
+          <a:blip r:embed="rId5" cstate="print">
+            <a:extLst>
+              <a:ext uri="{28A0092B-C50C-407E-A947-70E740481C1C}">
+                <a14:useLocalDpi xmlns:a14="http://schemas.microsoft.com/office/drawing/2010/main" val="0"/>
+              </a:ext>
+            </a:extLst>
+          </a:blip>
+          <a:stretch>
+            <a:fillRect/>
+          </a:stretch>
+        </p:blipFill>
+        <p:spPr>
+          <a:xfrm>
+            <a:off x="8290207" y="1786147"/>
+            <a:ext cx="1824949" cy="672950"/>
+          </a:xfrm>
+          <a:prstGeom prst="rect">
+            <a:avLst/>
+          </a:prstGeom>
+        </p:spPr>
+      </p:pic>
     </p:spTree>
     <p:extLst>
       <p:ext uri="{BB962C8B-B14F-4D97-AF65-F5344CB8AC3E}">
@@ -4246,7 +6206,7 @@
             <p:ph idx="1"/>
             <p:extLst>
               <p:ext uri="{D42A27DB-BD31-4B8C-83A1-F6EECF244321}">
-                <p14:modId xmlns:p14="http://schemas.microsoft.com/office/powerpoint/2010/main" val="2382175906"/>
+                <p14:modId xmlns:p14="http://schemas.microsoft.com/office/powerpoint/2010/main" val="4089998165"/>
               </p:ext>
             </p:extLst>
           </p:nvPr>
@@ -4671,6 +6631,10 @@
                     <a:lstStyle/>
                     <a:p>
                       <a:pPr algn="ctr"/>
+                      <a:r>
+                        <a:rPr lang="en-US" altLang="zh-TW" dirty="0" smtClean="0"/>
+                        <a:t>High</a:t>
+                      </a:r>
                       <a:endParaRPr lang="zh-TW" altLang="en-US" dirty="0"/>
                     </a:p>
                   </a:txBody>
@@ -4682,6 +6646,10 @@
                     <a:lstStyle/>
                     <a:p>
                       <a:pPr algn="ctr"/>
+                      <a:r>
+                        <a:rPr lang="en-US" altLang="zh-TW" dirty="0" smtClean="0"/>
+                        <a:t>Low</a:t>
+                      </a:r>
                       <a:endParaRPr lang="zh-TW" altLang="en-US" dirty="0"/>
                     </a:p>
                   </a:txBody>
@@ -4903,7 +6871,7 @@
           <a:p>
             <a:r>
               <a:rPr lang="en-US" altLang="zh-TW" dirty="0" smtClean="0"/>
-              <a:t>Language Models needed</a:t>
+              <a:t>Well-Trained Language Models</a:t>
             </a:r>
           </a:p>
           <a:p>
@@ -4981,7 +6949,7 @@
           <a:p>
             <a:r>
               <a:rPr lang="en-US" altLang="zh-TW" dirty="0" smtClean="0"/>
-              <a:t>Methods – End-to-End</a:t>
+              <a:t>PDF Parsing</a:t>
             </a:r>
             <a:endParaRPr lang="zh-TW" altLang="en-US" dirty="0"/>
           </a:p>
@@ -4997,74 +6965,157 @@
             <p:ph idx="1"/>
           </p:nvPr>
         </p:nvSpPr>
-        <p:spPr/>
-        <p:txBody>
-          <a:bodyPr/>
-          <a:lstStyle/>
-          <a:p>
-            <a:r>
-              <a:rPr lang="en-US" altLang="zh-TW" dirty="0" smtClean="0"/>
-              <a:t>Prompt</a:t>
+        <p:spPr>
+          <a:xfrm>
+            <a:off x="838199" y="1825625"/>
+            <a:ext cx="11148391" cy="4932984"/>
+          </a:xfrm>
+        </p:spPr>
+        <p:txBody>
+          <a:bodyPr>
+            <a:normAutofit/>
+          </a:bodyPr>
+          <a:lstStyle/>
+          <a:p>
+            <a:r>
+              <a:rPr lang="en-US" altLang="zh-TW" dirty="0" smtClean="0"/>
+              <a:t>Tools</a:t>
             </a:r>
           </a:p>
           <a:p>
             <a:pPr lvl="1"/>
             <a:r>
-              <a:rPr lang="en-US" altLang="zh-TW" dirty="0" smtClean="0"/>
-              <a:t>PDF Content</a:t>
-            </a:r>
+              <a:rPr lang="en-US" altLang="zh-TW" dirty="0" err="1" smtClean="0"/>
+              <a:t>Langchain</a:t>
+            </a:r>
+            <a:r>
+              <a:rPr lang="en-US" altLang="zh-TW" dirty="0" smtClean="0"/>
+              <a:t/>
+            </a:r>
+            <a:br>
+              <a:rPr lang="en-US" altLang="zh-TW" dirty="0" smtClean="0"/>
+            </a:br>
+            <a:endParaRPr lang="en-US" altLang="zh-TW" dirty="0" smtClean="0"/>
           </a:p>
           <a:p>
             <a:pPr lvl="1"/>
             <a:r>
-              <a:rPr lang="en-US" altLang="zh-TW" dirty="0" smtClean="0"/>
-              <a:t>Query</a:t>
-            </a:r>
+              <a:rPr lang="en-US" altLang="zh-TW" dirty="0" err="1" smtClean="0">
+                <a:solidFill>
+                  <a:srgbClr val="FF0000"/>
+                </a:solidFill>
+              </a:rPr>
+              <a:t>PyPDFLoader</a:t>
+            </a:r>
+            <a:r>
+              <a:rPr lang="zh-TW" altLang="en-US" dirty="0" smtClean="0"/>
+              <a:t> </a:t>
+            </a:r>
+            <a:r>
+              <a:rPr lang="en-US" altLang="zh-TW" dirty="0" smtClean="0"/>
+              <a:t>from </a:t>
+            </a:r>
+            <a:r>
+              <a:rPr lang="en-US" altLang="zh-TW" dirty="0" err="1" smtClean="0"/>
+              <a:t>langchain_community.document_loaders</a:t>
+            </a:r>
+            <a:endParaRPr lang="en-US" altLang="zh-TW" dirty="0" smtClean="0"/>
+          </a:p>
+          <a:p>
+            <a:pPr lvl="2"/>
+            <a:r>
+              <a:rPr lang="en-US" altLang="zh-TW" dirty="0" smtClean="0"/>
+              <a:t>Extract the text, transform the PDF file into string.</a:t>
+            </a:r>
+            <a:br>
+              <a:rPr lang="en-US" altLang="zh-TW" dirty="0" smtClean="0"/>
+            </a:br>
+            <a:endParaRPr lang="en-US" altLang="zh-TW" dirty="0" smtClean="0"/>
           </a:p>
           <a:p>
             <a:pPr lvl="1"/>
+            <a:r>
+              <a:rPr lang="en-US" altLang="zh-TW" dirty="0" err="1" smtClean="0">
+                <a:solidFill>
+                  <a:srgbClr val="FF0000"/>
+                </a:solidFill>
+              </a:rPr>
+              <a:t>HuggingFaceEmbeddings</a:t>
+            </a:r>
+            <a:r>
+              <a:rPr lang="zh-TW" altLang="en-US" dirty="0"/>
+              <a:t> </a:t>
+            </a:r>
+            <a:r>
+              <a:rPr lang="en-US" altLang="zh-TW" dirty="0" smtClean="0"/>
+              <a:t>from </a:t>
+            </a:r>
+            <a:r>
+              <a:rPr lang="en-US" altLang="zh-TW" dirty="0" err="1" smtClean="0"/>
+              <a:t>langchain_huggingface</a:t>
+            </a:r>
+            <a:endParaRPr lang="en-US" altLang="zh-TW" dirty="0" smtClean="0"/>
+          </a:p>
+          <a:p>
+            <a:pPr lvl="2"/>
+            <a:r>
+              <a:rPr lang="en-US" altLang="zh-TW" dirty="0" smtClean="0"/>
+              <a:t>Include the embedding model to tokenize string into vectors.</a:t>
+            </a:r>
+            <a:br>
+              <a:rPr lang="en-US" altLang="zh-TW" dirty="0" smtClean="0"/>
+            </a:br>
+            <a:endParaRPr lang="en-US" altLang="zh-TW" dirty="0" smtClean="0"/>
+          </a:p>
+          <a:p>
+            <a:pPr lvl="1"/>
+            <a:r>
+              <a:rPr lang="en-US" altLang="zh-TW" dirty="0" smtClean="0">
+                <a:solidFill>
+                  <a:srgbClr val="FF0000"/>
+                </a:solidFill>
+              </a:rPr>
+              <a:t>FAISS</a:t>
+            </a:r>
+            <a:r>
+              <a:rPr lang="zh-TW" altLang="en-US" dirty="0" smtClean="0"/>
+              <a:t> </a:t>
+            </a:r>
+            <a:r>
+              <a:rPr lang="en-US" altLang="zh-TW" dirty="0" smtClean="0"/>
+              <a:t>from </a:t>
+            </a:r>
+            <a:r>
+              <a:rPr lang="en-US" altLang="zh-TW" dirty="0" err="1" smtClean="0"/>
+              <a:t>langchain_community.vectorstores</a:t>
+            </a:r>
+            <a:endParaRPr lang="en-US" altLang="zh-TW" dirty="0" smtClean="0"/>
+          </a:p>
+          <a:p>
+            <a:pPr lvl="2"/>
+            <a:r>
+              <a:rPr lang="en-US" altLang="zh-TW" dirty="0" smtClean="0"/>
+              <a:t>Do the similarity search between PDF file and User Query.</a:t>
+            </a:r>
+          </a:p>
+          <a:p>
+            <a:pPr marL="457200" lvl="1" indent="0">
+              <a:buNone/>
+            </a:pPr>
             <a:endParaRPr lang="en-US" altLang="zh-TW" dirty="0"/>
-          </a:p>
-          <a:p>
-            <a:r>
-              <a:rPr lang="en-US" altLang="zh-TW" dirty="0" smtClean="0"/>
-              <a:t>Result is uncontrollable (need image)</a:t>
-            </a:r>
-          </a:p>
-          <a:p>
-            <a:pPr lvl="1"/>
-            <a:r>
-              <a:rPr lang="en-US" altLang="zh-TW" dirty="0" smtClean="0"/>
-              <a:t>May contain another description but not only the packet.</a:t>
-            </a:r>
-          </a:p>
-          <a:p>
-            <a:pPr lvl="1"/>
-            <a:endParaRPr lang="en-US" altLang="zh-TW" dirty="0"/>
-          </a:p>
-          <a:p>
-            <a:r>
-              <a:rPr lang="en-US" altLang="zh-TW" dirty="0" smtClean="0"/>
-              <a:t>Poor correctness (need image)</a:t>
-            </a:r>
-            <a:endParaRPr lang="en-US" altLang="zh-TW" dirty="0"/>
-          </a:p>
-          <a:p>
-            <a:pPr lvl="1"/>
-            <a:endParaRPr lang="en-US" altLang="zh-TW" dirty="0" smtClean="0"/>
           </a:p>
         </p:txBody>
       </p:sp>
       <p:pic>
         <p:nvPicPr>
-          <p:cNvPr id="5" name="圖片 4"/>
+          <p:cNvPr id="5" name="內容版面配置區 3"/>
           <p:cNvPicPr>
             <a:picLocks noChangeAspect="1"/>
           </p:cNvPicPr>
           <p:nvPr/>
         </p:nvPicPr>
         <p:blipFill>
-          <a:blip r:embed="rId2">
+          <a:blip r:embed="rId3">
             <a:extLst>
               <a:ext uri="{28A0092B-C50C-407E-A947-70E740481C1C}">
                 <a14:useLocalDpi xmlns:a14="http://schemas.microsoft.com/office/drawing/2010/main" val="0"/>
@@ -5077,8 +7128,8 @@
         </p:blipFill>
         <p:spPr>
           <a:xfrm>
-            <a:off x="8714525" y="365125"/>
-            <a:ext cx="3366169" cy="3490381"/>
+            <a:off x="8001279" y="54347"/>
+            <a:ext cx="4031319" cy="2183906"/>
           </a:xfrm>
           <a:prstGeom prst="rect">
             <a:avLst/>
@@ -5088,7 +7139,7 @@
     </p:spTree>
     <p:extLst>
       <p:ext uri="{BB962C8B-B14F-4D97-AF65-F5344CB8AC3E}">
-        <p14:creationId xmlns:p14="http://schemas.microsoft.com/office/powerpoint/2010/main" val="3977681370"/>
+        <p14:creationId xmlns:p14="http://schemas.microsoft.com/office/powerpoint/2010/main" val="3902841115"/>
       </p:ext>
     </p:extLst>
   </p:cSld>
@@ -5132,7 +7183,7 @@
           <a:p>
             <a:r>
               <a:rPr lang="en-US" altLang="zh-TW" dirty="0" smtClean="0"/>
-              <a:t>Methods - Staged</a:t>
+              <a:t>PDF Parsing</a:t>
             </a:r>
             <a:endParaRPr lang="zh-TW" altLang="en-US" dirty="0"/>
           </a:p>
@@ -5148,25 +7199,73 @@
             <p:ph idx="1"/>
           </p:nvPr>
         </p:nvSpPr>
-        <p:spPr/>
-        <p:txBody>
-          <a:bodyPr/>
-          <a:lstStyle/>
-          <a:p>
-            <a:r>
-              <a:rPr lang="en-US" altLang="zh-TW" dirty="0" smtClean="0"/>
-              <a:t>Workflow</a:t>
-            </a:r>
+        <p:spPr>
+          <a:xfrm>
+            <a:off x="838199" y="1825625"/>
+            <a:ext cx="11148391" cy="4932984"/>
+          </a:xfrm>
+        </p:spPr>
+        <p:txBody>
+          <a:bodyPr>
+            <a:normAutofit/>
+          </a:bodyPr>
+          <a:lstStyle/>
+          <a:p>
+            <a:r>
+              <a:rPr lang="en-US" altLang="zh-TW" dirty="0" smtClean="0"/>
+              <a:t>Tools</a:t>
+            </a:r>
+          </a:p>
+          <a:p>
+            <a:pPr lvl="1"/>
+            <a:r>
+              <a:rPr lang="en-US" altLang="zh-TW" dirty="0" smtClean="0"/>
+              <a:t>Similarity Search can be substituted with a more straightforward method.</a:t>
+            </a:r>
+          </a:p>
+          <a:p>
+            <a:pPr lvl="1"/>
+            <a:endParaRPr lang="en-US" altLang="zh-TW" dirty="0" smtClean="0"/>
+          </a:p>
+          <a:p>
+            <a:pPr lvl="1"/>
+            <a:r>
+              <a:rPr lang="en-US" altLang="zh-TW" dirty="0" err="1" smtClean="0"/>
+              <a:t>pdfplumber</a:t>
+            </a:r>
+            <a:endParaRPr lang="en-US" altLang="zh-TW" dirty="0" smtClean="0"/>
           </a:p>
           <a:p>
             <a:pPr lvl="2"/>
-            <a:endParaRPr lang="zh-TW" altLang="en-US" dirty="0"/>
+            <a:r>
+              <a:rPr lang="en-US" altLang="zh-TW" dirty="0" smtClean="0"/>
+              <a:t>Extract the text and table, transform the PDF file into string.</a:t>
+            </a:r>
+          </a:p>
+          <a:p>
+            <a:pPr lvl="1"/>
+            <a:endParaRPr lang="en-US" altLang="zh-TW" dirty="0" smtClean="0"/>
+          </a:p>
+          <a:p>
+            <a:pPr lvl="1"/>
+            <a:r>
+              <a:rPr lang="en-US" altLang="zh-TW" dirty="0" smtClean="0"/>
+              <a:t>Pandas</a:t>
+            </a:r>
+          </a:p>
+          <a:p>
+            <a:pPr lvl="2"/>
+            <a:r>
+              <a:rPr lang="en-US" altLang="zh-TW" dirty="0" smtClean="0"/>
+              <a:t>Handle the table.</a:t>
+            </a:r>
+            <a:endParaRPr lang="en-US" altLang="zh-TW" dirty="0"/>
           </a:p>
         </p:txBody>
       </p:sp>
       <p:pic>
         <p:nvPicPr>
-          <p:cNvPr id="4" name="圖片 3"/>
+          <p:cNvPr id="4" name="內容版面配置區 3"/>
           <p:cNvPicPr>
             <a:picLocks noChangeAspect="1"/>
           </p:cNvPicPr>
@@ -5186,8 +7285,8 @@
         </p:blipFill>
         <p:spPr>
           <a:xfrm>
-            <a:off x="3000373" y="2295058"/>
-            <a:ext cx="5944845" cy="4109145"/>
+            <a:off x="8001279" y="54347"/>
+            <a:ext cx="4031319" cy="2183906"/>
           </a:xfrm>
           <a:prstGeom prst="rect">
             <a:avLst/>
@@ -5197,7 +7296,7 @@
     </p:spTree>
     <p:extLst>
       <p:ext uri="{BB962C8B-B14F-4D97-AF65-F5344CB8AC3E}">
-        <p14:creationId xmlns:p14="http://schemas.microsoft.com/office/powerpoint/2010/main" val="1976712311"/>
+        <p14:creationId xmlns:p14="http://schemas.microsoft.com/office/powerpoint/2010/main" val="2704090245"/>
       </p:ext>
     </p:extLst>
   </p:cSld>
@@ -5248,7 +7347,7 @@
           <a:p>
             <a:r>
               <a:rPr lang="en-US" altLang="zh-TW" dirty="0" smtClean="0"/>
-              <a:t>Methods - Staged</a:t>
+              <a:t>PDF Parsing</a:t>
             </a:r>
             <a:endParaRPr lang="zh-TW" altLang="en-US" dirty="0"/>
           </a:p>
@@ -5271,28 +7370,29 @@
           <a:p>
             <a:r>
               <a:rPr lang="en-US" altLang="zh-TW" dirty="0" smtClean="0"/>
-              <a:t>Make the Language Model generate two C Codes.</a:t>
+              <a:t>Problems</a:t>
             </a:r>
           </a:p>
           <a:p>
             <a:pPr lvl="1"/>
             <a:r>
-              <a:rPr lang="en-US" altLang="zh-TW" dirty="0" smtClean="0"/>
-              <a:t>Header Generator</a:t>
-            </a:r>
-          </a:p>
-          <a:p>
-            <a:pPr lvl="2"/>
-            <a:r>
-              <a:rPr lang="en-US" altLang="zh-TW" dirty="0" smtClean="0"/>
-              <a:t>LM needs to know the packet composition.</a:t>
-            </a:r>
-          </a:p>
-          <a:p>
-            <a:pPr lvl="2"/>
-            <a:r>
-              <a:rPr lang="en-US" altLang="zh-TW" dirty="0" smtClean="0"/>
-              <a:t>LM needs to specify which fields is fixed or can be user-defined.</a:t>
+              <a:rPr lang="en-US" altLang="zh-TW" dirty="0"/>
+              <a:t>The size of standard is large, so it is necessary </a:t>
+            </a:r>
+            <a:r>
+              <a:rPr lang="en-US" altLang="zh-TW" dirty="0" smtClean="0"/>
+              <a:t>for a person to select the required chapters.</a:t>
+            </a:r>
+            <a:br>
+              <a:rPr lang="en-US" altLang="zh-TW" dirty="0" smtClean="0"/>
+            </a:br>
+            <a:endParaRPr lang="en-US" altLang="zh-TW" dirty="0"/>
+          </a:p>
+          <a:p>
+            <a:pPr lvl="1"/>
+            <a:r>
+              <a:rPr lang="en-US" altLang="zh-TW" dirty="0"/>
+              <a:t>Each standard or chapter has its own unique structure, which means that the same parsing method may yield different results.</a:t>
             </a:r>
           </a:p>
           <a:p>
@@ -5301,71 +7401,20 @@
           </a:p>
           <a:p>
             <a:pPr lvl="1"/>
-            <a:r>
-              <a:rPr lang="en-US" altLang="zh-TW" dirty="0" smtClean="0"/>
-              <a:t>Payload Generator</a:t>
-            </a:r>
-          </a:p>
-          <a:p>
-            <a:pPr lvl="2"/>
-            <a:r>
-              <a:rPr lang="en-US" altLang="zh-TW" dirty="0" smtClean="0"/>
-              <a:t>LM needs to know how to parse the given header.</a:t>
-            </a:r>
-          </a:p>
-          <a:p>
-            <a:pPr lvl="2"/>
             <a:endParaRPr lang="zh-TW" altLang="en-US" dirty="0"/>
           </a:p>
         </p:txBody>
       </p:sp>
-      <p:pic>
-        <p:nvPicPr>
-          <p:cNvPr id="4" name="圖片 3"/>
-          <p:cNvPicPr>
-            <a:picLocks noChangeAspect="1"/>
-          </p:cNvPicPr>
-          <p:nvPr/>
-        </p:nvPicPr>
-        <p:blipFill>
-          <a:blip r:embed="rId2">
-            <a:extLst>
-              <a:ext uri="{28A0092B-C50C-407E-A947-70E740481C1C}">
-                <a14:useLocalDpi xmlns:a14="http://schemas.microsoft.com/office/drawing/2010/main" val="0"/>
-              </a:ext>
-            </a:extLst>
-          </a:blip>
-          <a:stretch>
-            <a:fillRect/>
-          </a:stretch>
-        </p:blipFill>
-        <p:spPr>
-          <a:xfrm>
-            <a:off x="7435066" y="3528392"/>
-            <a:ext cx="4564777" cy="3155226"/>
-          </a:xfrm>
-          <a:prstGeom prst="rect">
-            <a:avLst/>
-          </a:prstGeom>
-        </p:spPr>
-      </p:pic>
     </p:spTree>
     <p:extLst>
       <p:ext uri="{BB962C8B-B14F-4D97-AF65-F5344CB8AC3E}">
-        <p14:creationId xmlns:p14="http://schemas.microsoft.com/office/powerpoint/2010/main" val="2392025326"/>
+        <p14:creationId xmlns:p14="http://schemas.microsoft.com/office/powerpoint/2010/main" val="751060368"/>
       </p:ext>
     </p:extLst>
   </p:cSld>
   <p:clrMapOvr>
     <a:masterClrMapping/>
   </p:clrMapOvr>
-  <p:timing>
-    <p:tnLst>
-      <p:par>
-        <p:cTn id="1" dur="indefinite" restart="never" nodeType="tmRoot"/>
-      </p:par>
-    </p:tnLst>
-  </p:timing>
 </p:sld>
 </file>
 
@@ -5403,7 +7452,7 @@
           <a:p>
             <a:r>
               <a:rPr lang="en-US" altLang="zh-TW" dirty="0" smtClean="0"/>
-              <a:t>Methods - Staged</a:t>
+              <a:t>Methods – End-to-End</a:t>
             </a:r>
             <a:endParaRPr lang="zh-TW" altLang="en-US" dirty="0"/>
           </a:p>
@@ -5419,129 +7468,103 @@
             <p:ph idx="1"/>
           </p:nvPr>
         </p:nvSpPr>
-        <p:spPr>
-          <a:xfrm>
-            <a:off x="440634" y="1835564"/>
-            <a:ext cx="10515600" cy="5022436"/>
-          </a:xfrm>
-        </p:spPr>
-        <p:txBody>
-          <a:bodyPr/>
-          <a:lstStyle/>
-          <a:p>
-            <a:r>
-              <a:rPr lang="en-US" altLang="zh-TW" dirty="0" smtClean="0"/>
-              <a:t>Make the Language Model generate two C Codes.</a:t>
+        <p:spPr/>
+        <p:txBody>
+          <a:bodyPr/>
+          <a:lstStyle/>
+          <a:p>
+            <a:r>
+              <a:rPr lang="en-US" altLang="zh-TW" dirty="0" smtClean="0"/>
+              <a:t>Prompt</a:t>
             </a:r>
           </a:p>
           <a:p>
             <a:pPr lvl="1"/>
             <a:r>
               <a:rPr lang="en-US" altLang="zh-TW" dirty="0" smtClean="0"/>
-              <a:t>Header Generator</a:t>
-            </a:r>
-          </a:p>
-          <a:p>
-            <a:pPr lvl="2"/>
-            <a:r>
-              <a:rPr lang="en-US" altLang="zh-TW" dirty="0" smtClean="0"/>
-              <a:t>Query (Need image)</a:t>
-            </a:r>
-          </a:p>
-          <a:p>
-            <a:pPr lvl="2"/>
+              <a:t>PDF Content</a:t>
+            </a:r>
+          </a:p>
+          <a:p>
+            <a:pPr lvl="1"/>
+            <a:r>
+              <a:rPr lang="en-US" altLang="zh-TW" dirty="0" smtClean="0"/>
+              <a:t>User Query</a:t>
+            </a:r>
+          </a:p>
+          <a:p>
+            <a:pPr lvl="1"/>
             <a:endParaRPr lang="en-US" altLang="zh-TW" dirty="0"/>
           </a:p>
           <a:p>
-            <a:pPr lvl="2"/>
-            <a:r>
-              <a:rPr lang="en-US" altLang="zh-TW" dirty="0" smtClean="0"/>
-              <a:t>Additional information (Need image)</a:t>
+            <a:r>
+              <a:rPr lang="en-US" altLang="zh-TW" dirty="0" smtClean="0"/>
+              <a:t>Problems</a:t>
             </a:r>
           </a:p>
           <a:p>
             <a:pPr lvl="1"/>
+            <a:r>
+              <a:rPr lang="en-US" altLang="zh-TW" dirty="0" smtClean="0"/>
+              <a:t>The result is not solely the packet but also contains additional descriptions.</a:t>
+            </a:r>
+          </a:p>
+          <a:p>
+            <a:pPr lvl="1"/>
+            <a:r>
+              <a:rPr lang="en-US" altLang="zh-TW" dirty="0" smtClean="0"/>
+              <a:t>It is challenging to find a general method to parse the necessary parts.</a:t>
+            </a:r>
+          </a:p>
+          <a:p>
+            <a:pPr lvl="1"/>
+            <a:r>
+              <a:rPr lang="en-US" altLang="zh-TW" dirty="0" smtClean="0"/>
+              <a:t>There is no guarantee of the correctness of the result.</a:t>
+            </a:r>
+          </a:p>
+          <a:p>
+            <a:pPr lvl="1"/>
+            <a:r>
+              <a:rPr lang="en-US" altLang="zh-TW" dirty="0" smtClean="0"/>
+              <a:t>It is difficult to generate packets according to </a:t>
+            </a:r>
+            <a:r>
+              <a:rPr lang="en-US" altLang="zh-TW" smtClean="0"/>
+              <a:t>user-defined arguments.</a:t>
+            </a:r>
             <a:endParaRPr lang="en-US" altLang="zh-TW" dirty="0" smtClean="0"/>
           </a:p>
           <a:p>
             <a:pPr lvl="1"/>
-            <a:r>
-              <a:rPr lang="en-US" altLang="zh-TW" dirty="0" smtClean="0"/>
-              <a:t>Payload Generator</a:t>
-            </a:r>
-          </a:p>
-          <a:p>
-            <a:pPr lvl="2"/>
-            <a:r>
-              <a:rPr lang="en-US" altLang="zh-TW" dirty="0" smtClean="0"/>
-              <a:t>Query</a:t>
-            </a:r>
-          </a:p>
-          <a:p>
-            <a:pPr lvl="2"/>
             <a:endParaRPr lang="en-US" altLang="zh-TW" dirty="0"/>
-          </a:p>
-          <a:p>
-            <a:pPr marL="914400" lvl="2" indent="0">
-              <a:buNone/>
-            </a:pPr>
-            <a:endParaRPr lang="en-US" altLang="zh-TW" dirty="0" smtClean="0"/>
-          </a:p>
-          <a:p>
-            <a:pPr lvl="2"/>
-            <a:r>
-              <a:rPr lang="en-US" altLang="zh-TW" dirty="0" smtClean="0"/>
-              <a:t>Additional information</a:t>
-            </a:r>
-          </a:p>
-          <a:p>
-            <a:pPr lvl="2"/>
-            <a:endParaRPr lang="zh-TW" altLang="en-US" dirty="0"/>
           </a:p>
         </p:txBody>
       </p:sp>
       <p:pic>
         <p:nvPicPr>
-          <p:cNvPr id="6" name="圖片 5"/>
+          <p:cNvPr id="5" name="圖片 4"/>
           <p:cNvPicPr>
             <a:picLocks noChangeAspect="1"/>
           </p:cNvPicPr>
           <p:nvPr/>
         </p:nvPicPr>
         <p:blipFill>
-          <a:blip r:embed="rId2"/>
+          <a:blip r:embed="rId2">
+            <a:extLst>
+              <a:ext uri="{28A0092B-C50C-407E-A947-70E740481C1C}">
+                <a14:useLocalDpi xmlns:a14="http://schemas.microsoft.com/office/drawing/2010/main" val="0"/>
+              </a:ext>
+            </a:extLst>
+          </a:blip>
           <a:stretch>
             <a:fillRect/>
           </a:stretch>
         </p:blipFill>
         <p:spPr>
           <a:xfrm>
-            <a:off x="1223756" y="5884793"/>
-            <a:ext cx="8077200" cy="704850"/>
-          </a:xfrm>
-          <a:prstGeom prst="rect">
-            <a:avLst/>
-          </a:prstGeom>
-        </p:spPr>
-      </p:pic>
-      <p:pic>
-        <p:nvPicPr>
-          <p:cNvPr id="7" name="圖片 6"/>
-          <p:cNvPicPr>
-            <a:picLocks noChangeAspect="1"/>
-          </p:cNvPicPr>
-          <p:nvPr/>
-        </p:nvPicPr>
-        <p:blipFill>
-          <a:blip r:embed="rId3"/>
-          <a:stretch>
-            <a:fillRect/>
-          </a:stretch>
-        </p:blipFill>
-        <p:spPr>
-          <a:xfrm>
-            <a:off x="1223756" y="4852987"/>
-            <a:ext cx="10506075" cy="352425"/>
+            <a:off x="8503027" y="80434"/>
+            <a:ext cx="3248577" cy="3490381"/>
           </a:xfrm>
           <a:prstGeom prst="rect">
             <a:avLst/>
@@ -5551,7 +7574,7 @@
     </p:spTree>
     <p:extLst>
       <p:ext uri="{BB962C8B-B14F-4D97-AF65-F5344CB8AC3E}">
-        <p14:creationId xmlns:p14="http://schemas.microsoft.com/office/powerpoint/2010/main" val="2265781041"/>
+        <p14:creationId xmlns:p14="http://schemas.microsoft.com/office/powerpoint/2010/main" val="3977681370"/>
       </p:ext>
     </p:extLst>
   </p:cSld>
